--- a/AgriAdvisor.pptx
+++ b/AgriAdvisor.pptx
@@ -8,8 +8,12 @@
     <p:sldId id="256" r:id="rId2"/>
     <p:sldId id="260" r:id="rId3"/>
     <p:sldId id="257" r:id="rId4"/>
-    <p:sldId id="258" r:id="rId5"/>
-    <p:sldId id="259" r:id="rId6"/>
+    <p:sldId id="263" r:id="rId5"/>
+    <p:sldId id="258" r:id="rId6"/>
+    <p:sldId id="264" r:id="rId7"/>
+    <p:sldId id="259" r:id="rId8"/>
+    <p:sldId id="261" r:id="rId9"/>
+    <p:sldId id="262" r:id="rId10"/>
   </p:sldIdLst>
   <p:sldSz cx="12192000" cy="6858000"/>
   <p:notesSz cx="6858000" cy="9144000"/>
@@ -265,7 +269,7 @@
           <a:p>
             <a:fld id="{C43A76A3-ADC8-4477-8FC1-B9DD55D84908}" type="datetime1">
               <a:rPr lang="en-US" smtClean="0"/>
-              <a:t>9/4/2023</a:t>
+              <a:t>9/24/2023</a:t>
             </a:fld>
             <a:endParaRPr lang="en-US" dirty="0"/>
           </a:p>
@@ -463,7 +467,7 @@
           <a:p>
             <a:fld id="{D6762538-DC4D-4667-96E5-B3278DDF8B12}" type="datetime1">
               <a:rPr lang="en-US" smtClean="0"/>
-              <a:t>9/4/2023</a:t>
+              <a:t>9/24/2023</a:t>
             </a:fld>
             <a:endParaRPr lang="en-US"/>
           </a:p>
@@ -671,7 +675,7 @@
           <a:p>
             <a:fld id="{05880548-5C08-4BE3-B63E-F2BB63B0B00C}" type="datetime1">
               <a:rPr lang="en-US" smtClean="0"/>
-              <a:t>9/4/2023</a:t>
+              <a:t>9/24/2023</a:t>
             </a:fld>
             <a:endParaRPr lang="en-US"/>
           </a:p>
@@ -869,7 +873,7 @@
           <a:p>
             <a:fld id="{DE7F49BE-398D-479A-8A7E-5DDBCA61EDCB}" type="datetime1">
               <a:rPr lang="en-US" smtClean="0"/>
-              <a:t>9/4/2023</a:t>
+              <a:t>9/24/2023</a:t>
             </a:fld>
             <a:endParaRPr lang="en-US"/>
           </a:p>
@@ -1145,7 +1149,7 @@
           <a:p>
             <a:fld id="{CCD0C193-4974-4A1F-9C63-07D595E30D66}" type="datetime1">
               <a:rPr lang="en-US" smtClean="0"/>
-              <a:t>9/4/2023</a:t>
+              <a:t>9/24/2023</a:t>
             </a:fld>
             <a:endParaRPr lang="en-US"/>
           </a:p>
@@ -1412,7 +1416,7 @@
           <a:p>
             <a:fld id="{701AA87F-28D4-4BF0-B81F-877A89DFD5AC}" type="datetime1">
               <a:rPr lang="en-US" smtClean="0"/>
-              <a:t>9/4/2023</a:t>
+              <a:t>9/24/2023</a:t>
             </a:fld>
             <a:endParaRPr lang="en-US"/>
           </a:p>
@@ -1826,7 +1830,7 @@
           <a:p>
             <a:fld id="{A8A9F1F3-208B-49A3-B337-9C8ACEB3E0E1}" type="datetime1">
               <a:rPr lang="en-US" smtClean="0"/>
-              <a:t>9/4/2023</a:t>
+              <a:t>9/24/2023</a:t>
             </a:fld>
             <a:endParaRPr lang="en-US"/>
           </a:p>
@@ -1973,7 +1977,7 @@
           <a:p>
             <a:fld id="{27AF6CA6-7293-4AA2-A0E0-A3BF4416E786}" type="datetime1">
               <a:rPr lang="en-US" smtClean="0"/>
-              <a:t>9/4/2023</a:t>
+              <a:t>9/24/2023</a:t>
             </a:fld>
             <a:endParaRPr lang="en-US"/>
           </a:p>
@@ -2086,7 +2090,7 @@
           <a:p>
             <a:fld id="{98D87016-7BCD-46FB-8EE3-AB6C369108B4}" type="datetime1">
               <a:rPr lang="en-US" smtClean="0"/>
-              <a:t>9/4/2023</a:t>
+              <a:t>9/24/2023</a:t>
             </a:fld>
             <a:endParaRPr lang="en-US"/>
           </a:p>
@@ -2405,7 +2409,7 @@
           <a:p>
             <a:fld id="{A1547011-1FFC-4EF8-9A2E-53B4AD2ADBD4}" type="datetime1">
               <a:rPr lang="en-US" smtClean="0"/>
-              <a:t>9/4/2023</a:t>
+              <a:t>9/24/2023</a:t>
             </a:fld>
             <a:endParaRPr lang="en-US"/>
           </a:p>
@@ -2700,7 +2704,7 @@
           <a:p>
             <a:fld id="{9562EB47-45B4-4EF5-A743-B4885DD2F060}" type="datetime1">
               <a:rPr lang="en-US" smtClean="0"/>
-              <a:t>9/4/2023</a:t>
+              <a:t>9/24/2023</a:t>
             </a:fld>
             <a:endParaRPr lang="en-US"/>
           </a:p>
@@ -4085,7 +4089,7 @@
           <a:p>
             <a:fld id="{4A8D24A4-5FEC-4062-8995-EB21925B3B40}" type="datetime1">
               <a:rPr lang="en-US" smtClean="0"/>
-              <a:t>9/4/2023</a:t>
+              <a:t>9/24/2023</a:t>
             </a:fld>
             <a:endParaRPr lang="en-US" sz="1000" dirty="0"/>
           </a:p>
@@ -5680,10 +5684,9 @@
                   <a:srgbClr val="374151"/>
                 </a:solidFill>
                 <a:effectLst/>
-                <a:latin typeface="Times New Roman" panose="02020603050405020304" pitchFamily="18" charset="0"/>
-                <a:cs typeface="Times New Roman" panose="02020603050405020304" pitchFamily="18" charset="0"/>
+                <a:latin typeface="Söhne"/>
               </a:rPr>
-              <a:t>Imagine a world where every farmer, regardless of their experience, can make informed decisions that boost crop yields, reduce waste, and ensure healthier plants. </a:t>
+              <a:t>The global population is projected to reach 9.7 billion by 2050, leading to an unprecedented demand for food production.</a:t>
             </a:r>
           </a:p>
           <a:p>
@@ -5697,7 +5700,21 @@
                 <a:latin typeface="Times New Roman" panose="02020603050405020304" pitchFamily="18" charset="0"/>
                 <a:cs typeface="Times New Roman" panose="02020603050405020304" pitchFamily="18" charset="0"/>
               </a:rPr>
-              <a:t>In today's fast-paced world, agriculture faces an incredible challenge: how to feed a growing global population while conserving resources and minimizing environmental impact. </a:t>
+              <a:t>In today's fast-paced world, agriculture faces an incredible challenge: how to feed a growing global population while conserving resources and minimizing environmental impact.</a:t>
+            </a:r>
+          </a:p>
+          <a:p>
+            <a:pPr algn="l"/>
+            <a:r>
+              <a:rPr lang="en-US" b="0" i="0" dirty="0">
+                <a:solidFill>
+                  <a:srgbClr val="374151"/>
+                </a:solidFill>
+                <a:effectLst/>
+                <a:latin typeface="Times New Roman" panose="02020603050405020304" pitchFamily="18" charset="0"/>
+                <a:cs typeface="Times New Roman" panose="02020603050405020304" pitchFamily="18" charset="0"/>
+              </a:rPr>
+              <a:t>Imagine a world where every farmer, regardless of their experience, can make informed decisions that boost crop yields, reduce waste, and ensure healthier plants. </a:t>
             </a:r>
           </a:p>
           <a:p>
@@ -5952,6 +5969,27 @@
             </a:r>
           </a:p>
           <a:p>
+            <a:pPr algn="l"/>
+            <a:r>
+              <a:rPr lang="en-US" b="0" i="0" dirty="0">
+                <a:solidFill>
+                  <a:srgbClr val="374151"/>
+                </a:solidFill>
+                <a:effectLst/>
+                <a:latin typeface="Söhne"/>
+              </a:rPr>
+              <a:t>Weather is a critical factor in agriculture. We obtained historical and real-time weather data from meteorological agencies to analyze its impact on crop performance.</a:t>
+            </a:r>
+            <a:endParaRPr lang="en-US" b="0" i="0" dirty="0">
+              <a:solidFill>
+                <a:srgbClr val="374151"/>
+              </a:solidFill>
+              <a:effectLst/>
+              <a:latin typeface="Times New Roman" panose="02020603050405020304" pitchFamily="18" charset="0"/>
+              <a:cs typeface="Times New Roman" panose="02020603050405020304" pitchFamily="18" charset="0"/>
+            </a:endParaRPr>
+          </a:p>
+          <a:p>
             <a:r>
               <a:rPr lang="en-US" b="0" i="0" dirty="0">
                 <a:solidFill>
@@ -5965,6 +6003,9 @@
             </a:r>
           </a:p>
           <a:p>
+            <a:pPr marL="0" indent="0">
+              <a:buNone/>
+            </a:pPr>
             <a:endParaRPr lang="en-PH" dirty="0">
               <a:latin typeface="Times New Roman" panose="02020603050405020304" pitchFamily="18" charset="0"/>
               <a:cs typeface="Times New Roman" panose="02020603050405020304" pitchFamily="18" charset="0"/>
@@ -6007,7 +6048,7 @@
           <p:cNvPr id="2" name="Title 1">
             <a:extLst>
               <a:ext uri="{FF2B5EF4-FFF2-40B4-BE49-F238E27FC236}">
-                <a16:creationId xmlns:a16="http://schemas.microsoft.com/office/drawing/2014/main" id="{34504F1D-EFAF-CC7A-7825-2513F58E64E1}"/>
+                <a16:creationId xmlns:a16="http://schemas.microsoft.com/office/drawing/2014/main" id="{B78C7B5E-C11E-6EC1-219A-0E87DE2A5682}"/>
               </a:ext>
             </a:extLst>
           </p:cNvPr>
@@ -6023,12 +6064,17 @@
           <a:bodyPr/>
           <a:lstStyle/>
           <a:p>
-            <a:pPr algn="ctr"/>
             <a:r>
               <a:rPr lang="en-US" dirty="0"/>
-              <a:t>Methodologies</a:t>
-            </a:r>
-            <a:endParaRPr lang="en-PH" dirty="0"/>
+              <a:t>                  </a:t>
+            </a:r>
+            <a:r>
+              <a:rPr lang="en-US" sz="3600" dirty="0">
+                <a:latin typeface="Times New Roman" panose="02020603050405020304" pitchFamily="18" charset="0"/>
+                <a:cs typeface="Times New Roman" panose="02020603050405020304" pitchFamily="18" charset="0"/>
+              </a:rPr>
+              <a:t>Initial Discoveries</a:t>
+            </a:r>
           </a:p>
         </p:txBody>
       </p:sp>
@@ -6037,7 +6083,7 @@
           <p:cNvPr id="3" name="Content Placeholder 2">
             <a:extLst>
               <a:ext uri="{FF2B5EF4-FFF2-40B4-BE49-F238E27FC236}">
-                <a16:creationId xmlns:a16="http://schemas.microsoft.com/office/drawing/2014/main" id="{A802313E-1554-9296-9C5F-89257998C43F}"/>
+                <a16:creationId xmlns:a16="http://schemas.microsoft.com/office/drawing/2014/main" id="{938CF866-A0CB-2960-2E3F-AAF8179D52CF}"/>
               </a:ext>
             </a:extLst>
           </p:cNvPr>
@@ -6050,86 +6096,17 @@
         </p:nvSpPr>
         <p:spPr/>
         <p:txBody>
-          <a:bodyPr>
-            <a:noAutofit/>
-          </a:bodyPr>
+          <a:bodyPr/>
           <a:lstStyle/>
           <a:p>
-            <a:pPr algn="l"/>
-            <a:r>
-              <a:rPr lang="en-US" b="0" i="0" dirty="0">
-                <a:solidFill>
-                  <a:srgbClr val="374151"/>
-                </a:solidFill>
-                <a:effectLst/>
-                <a:latin typeface="Times New Roman" panose="02020603050405020304" pitchFamily="18" charset="0"/>
-                <a:cs typeface="Times New Roman" panose="02020603050405020304" pitchFamily="18" charset="0"/>
-              </a:rPr>
-              <a:t>Our approach is a harmonious blend of art and science. On one hand, we harness the power of state-of-the-art technologies like ResNet-9, Support Vector Machines, Random Forest, Gaussian Naïve Bayes, and </a:t>
-            </a:r>
-            <a:r>
-              <a:rPr lang="en-US" b="0" i="0" dirty="0" err="1">
-                <a:solidFill>
-                  <a:srgbClr val="374151"/>
-                </a:solidFill>
-                <a:effectLst/>
-                <a:latin typeface="Times New Roman" panose="02020603050405020304" pitchFamily="18" charset="0"/>
-                <a:cs typeface="Times New Roman" panose="02020603050405020304" pitchFamily="18" charset="0"/>
-              </a:rPr>
-              <a:t>XGBoost</a:t>
-            </a:r>
-            <a:r>
-              <a:rPr lang="en-US" b="0" i="0" dirty="0">
-                <a:solidFill>
-                  <a:srgbClr val="374151"/>
-                </a:solidFill>
-                <a:effectLst/>
-                <a:latin typeface="Times New Roman" panose="02020603050405020304" pitchFamily="18" charset="0"/>
-                <a:cs typeface="Times New Roman" panose="02020603050405020304" pitchFamily="18" charset="0"/>
-              </a:rPr>
-              <a:t> to decode plant diseases from images. These cutting-edge techniques allow us to provide accurate and data-driven insights.</a:t>
-            </a:r>
-          </a:p>
-          <a:p>
-            <a:pPr algn="l"/>
-            <a:r>
-              <a:rPr lang="en-US" b="0" i="0" dirty="0">
-                <a:solidFill>
-                  <a:srgbClr val="374151"/>
-                </a:solidFill>
-                <a:effectLst/>
-                <a:latin typeface="Times New Roman" panose="02020603050405020304" pitchFamily="18" charset="0"/>
-                <a:cs typeface="Times New Roman" panose="02020603050405020304" pitchFamily="18" charset="0"/>
-              </a:rPr>
-              <a:t>Through our advanced algorithms, we extract valuable insights from images of plant leaves. We can identify diseases, assess their severity, and recommend suitable treatments. </a:t>
-            </a:r>
-          </a:p>
-          <a:p>
-            <a:pPr algn="l"/>
-            <a:r>
-              <a:rPr lang="en-US" b="0" i="0" dirty="0">
-                <a:solidFill>
-                  <a:srgbClr val="374151"/>
-                </a:solidFill>
-                <a:effectLst/>
-                <a:latin typeface="Times New Roman" panose="02020603050405020304" pitchFamily="18" charset="0"/>
-                <a:cs typeface="Times New Roman" panose="02020603050405020304" pitchFamily="18" charset="0"/>
-              </a:rPr>
-              <a:t>These insights are based on rigorous data analysis, ensuring precision and reliability.</a:t>
-            </a:r>
-          </a:p>
-          <a:p>
-            <a:endParaRPr lang="en-PH" dirty="0">
-              <a:latin typeface="Times New Roman" panose="02020603050405020304" pitchFamily="18" charset="0"/>
-              <a:cs typeface="Times New Roman" panose="02020603050405020304" pitchFamily="18" charset="0"/>
-            </a:endParaRPr>
+            <a:endParaRPr lang="en-US" dirty="0"/>
           </a:p>
         </p:txBody>
       </p:sp>
     </p:spTree>
     <p:extLst>
       <p:ext uri="{BB962C8B-B14F-4D97-AF65-F5344CB8AC3E}">
-        <p14:creationId xmlns:p14="http://schemas.microsoft.com/office/powerpoint/2010/main" val="1837270010"/>
+        <p14:creationId xmlns:p14="http://schemas.microsoft.com/office/powerpoint/2010/main" val="3318703570"/>
       </p:ext>
     </p:extLst>
   </p:cSld>
@@ -6161,7 +6138,7 @@
           <p:cNvPr id="2" name="Title 1">
             <a:extLst>
               <a:ext uri="{FF2B5EF4-FFF2-40B4-BE49-F238E27FC236}">
-                <a16:creationId xmlns:a16="http://schemas.microsoft.com/office/drawing/2014/main" id="{4B2A4BE8-1D93-5BFA-73B0-6F111EECF706}"/>
+                <a16:creationId xmlns:a16="http://schemas.microsoft.com/office/drawing/2014/main" id="{34504F1D-EFAF-CC7A-7825-2513F58E64E1}"/>
               </a:ext>
             </a:extLst>
           </p:cNvPr>
@@ -6174,6 +6151,1366 @@
         </p:nvSpPr>
         <p:spPr>
           <a:xfrm>
+            <a:off x="777240" y="365125"/>
+            <a:ext cx="10659110" cy="1047115"/>
+          </a:xfrm>
+        </p:spPr>
+        <p:txBody>
+          <a:bodyPr>
+            <a:normAutofit/>
+          </a:bodyPr>
+          <a:lstStyle/>
+          <a:p>
+            <a:pPr algn="ctr"/>
+            <a:r>
+              <a:rPr lang="en-US" sz="3600" dirty="0">
+                <a:latin typeface="Times New Roman" panose="02020603050405020304" pitchFamily="18" charset="0"/>
+                <a:cs typeface="Times New Roman" panose="02020603050405020304" pitchFamily="18" charset="0"/>
+              </a:rPr>
+              <a:t>Methodologies</a:t>
+            </a:r>
+            <a:endParaRPr lang="en-PH" sz="3600" dirty="0">
+              <a:latin typeface="Times New Roman" panose="02020603050405020304" pitchFamily="18" charset="0"/>
+              <a:cs typeface="Times New Roman" panose="02020603050405020304" pitchFamily="18" charset="0"/>
+            </a:endParaRPr>
+          </a:p>
+        </p:txBody>
+      </p:sp>
+      <p:sp>
+        <p:nvSpPr>
+          <p:cNvPr id="3" name="Content Placeholder 2">
+            <a:extLst>
+              <a:ext uri="{FF2B5EF4-FFF2-40B4-BE49-F238E27FC236}">
+                <a16:creationId xmlns:a16="http://schemas.microsoft.com/office/drawing/2014/main" id="{A802313E-1554-9296-9C5F-89257998C43F}"/>
+              </a:ext>
+            </a:extLst>
+          </p:cNvPr>
+          <p:cNvSpPr>
+            <a:spLocks noGrp="1"/>
+          </p:cNvSpPr>
+          <p:nvPr>
+            <p:ph idx="1"/>
+          </p:nvPr>
+        </p:nvSpPr>
+        <p:spPr/>
+        <p:txBody>
+          <a:bodyPr>
+            <a:noAutofit/>
+          </a:bodyPr>
+          <a:lstStyle/>
+          <a:p>
+            <a:pPr algn="l"/>
+            <a:r>
+              <a:rPr lang="en-US" b="0" i="0" dirty="0">
+                <a:solidFill>
+                  <a:srgbClr val="374151"/>
+                </a:solidFill>
+                <a:effectLst/>
+                <a:latin typeface="Söhne"/>
+              </a:rPr>
+              <a:t>Seamlessly combining agricultural expertise with the precision of data science and AI.</a:t>
+            </a:r>
+            <a:endParaRPr lang="en-US" b="0" i="0" dirty="0">
+              <a:solidFill>
+                <a:srgbClr val="374151"/>
+              </a:solidFill>
+              <a:effectLst/>
+              <a:latin typeface="Times New Roman" panose="02020603050405020304" pitchFamily="18" charset="0"/>
+              <a:cs typeface="Times New Roman" panose="02020603050405020304" pitchFamily="18" charset="0"/>
+            </a:endParaRPr>
+          </a:p>
+          <a:p>
+            <a:pPr algn="l"/>
+            <a:r>
+              <a:rPr lang="en-US" b="0" i="0" dirty="0">
+                <a:solidFill>
+                  <a:srgbClr val="374151"/>
+                </a:solidFill>
+                <a:effectLst/>
+                <a:latin typeface="Times New Roman" panose="02020603050405020304" pitchFamily="18" charset="0"/>
+                <a:cs typeface="Times New Roman" panose="02020603050405020304" pitchFamily="18" charset="0"/>
+              </a:rPr>
+              <a:t>Our approach is a harmonious blend of art and science. On one hand, we harness the power of state-of-the-art technologies like ResNet-9, Support Vector Machines, Random Forest, Gaussian Naïve Bayes, and </a:t>
+            </a:r>
+            <a:r>
+              <a:rPr lang="en-US" b="0" i="0" dirty="0" err="1">
+                <a:solidFill>
+                  <a:srgbClr val="374151"/>
+                </a:solidFill>
+                <a:effectLst/>
+                <a:latin typeface="Times New Roman" panose="02020603050405020304" pitchFamily="18" charset="0"/>
+                <a:cs typeface="Times New Roman" panose="02020603050405020304" pitchFamily="18" charset="0"/>
+              </a:rPr>
+              <a:t>XGBoost</a:t>
+            </a:r>
+            <a:r>
+              <a:rPr lang="en-US" b="0" i="0" dirty="0">
+                <a:solidFill>
+                  <a:srgbClr val="374151"/>
+                </a:solidFill>
+                <a:effectLst/>
+                <a:latin typeface="Times New Roman" panose="02020603050405020304" pitchFamily="18" charset="0"/>
+                <a:cs typeface="Times New Roman" panose="02020603050405020304" pitchFamily="18" charset="0"/>
+              </a:rPr>
+              <a:t> to decode plant diseases from images. These cutting-edge techniques allow us to provide accurate and data-driven insights.</a:t>
+            </a:r>
+          </a:p>
+          <a:p>
+            <a:pPr algn="l"/>
+            <a:r>
+              <a:rPr lang="en-US" b="0" i="0" dirty="0">
+                <a:solidFill>
+                  <a:srgbClr val="374151"/>
+                </a:solidFill>
+                <a:effectLst/>
+                <a:latin typeface="Times New Roman" panose="02020603050405020304" pitchFamily="18" charset="0"/>
+                <a:cs typeface="Times New Roman" panose="02020603050405020304" pitchFamily="18" charset="0"/>
+              </a:rPr>
+              <a:t>Through our advanced algorithms, we extract valuable insights from images of plant leaves. We can identify diseases, assess their severity, and recommend suitable treatments. </a:t>
+            </a:r>
+          </a:p>
+          <a:p>
+            <a:pPr algn="l"/>
+            <a:r>
+              <a:rPr lang="en-US" b="0" i="0" dirty="0">
+                <a:solidFill>
+                  <a:srgbClr val="374151"/>
+                </a:solidFill>
+                <a:effectLst/>
+                <a:latin typeface="Times New Roman" panose="02020603050405020304" pitchFamily="18" charset="0"/>
+                <a:cs typeface="Times New Roman" panose="02020603050405020304" pitchFamily="18" charset="0"/>
+              </a:rPr>
+              <a:t>These insights are based on rigorous data analysis, ensuring precision and reliability.</a:t>
+            </a:r>
+          </a:p>
+          <a:p>
+            <a:endParaRPr lang="en-PH" dirty="0">
+              <a:latin typeface="Times New Roman" panose="02020603050405020304" pitchFamily="18" charset="0"/>
+              <a:cs typeface="Times New Roman" panose="02020603050405020304" pitchFamily="18" charset="0"/>
+            </a:endParaRPr>
+          </a:p>
+        </p:txBody>
+      </p:sp>
+    </p:spTree>
+    <p:extLst>
+      <p:ext uri="{BB962C8B-B14F-4D97-AF65-F5344CB8AC3E}">
+        <p14:creationId xmlns:p14="http://schemas.microsoft.com/office/powerpoint/2010/main" val="1837270010"/>
+      </p:ext>
+    </p:extLst>
+  </p:cSld>
+  <p:clrMapOvr>
+    <a:masterClrMapping/>
+  </p:clrMapOvr>
+</p:sld>
+</file>
+
+<file path=ppt/slides/slide6.xml><?xml version="1.0" encoding="utf-8"?>
+<p:sld xmlns:a="http://schemas.openxmlformats.org/drawingml/2006/main" xmlns:r="http://schemas.openxmlformats.org/officeDocument/2006/relationships" xmlns:p="http://schemas.openxmlformats.org/presentationml/2006/main">
+  <p:cSld>
+    <p:spTree>
+      <p:nvGrpSpPr>
+        <p:cNvPr id="1" name=""/>
+        <p:cNvGrpSpPr/>
+        <p:nvPr/>
+      </p:nvGrpSpPr>
+      <p:grpSpPr>
+        <a:xfrm>
+          <a:off x="0" y="0"/>
+          <a:ext cx="0" cy="0"/>
+          <a:chOff x="0" y="0"/>
+          <a:chExt cx="0" cy="0"/>
+        </a:xfrm>
+      </p:grpSpPr>
+      <p:sp>
+        <p:nvSpPr>
+          <p:cNvPr id="2" name="Title 1">
+            <a:extLst>
+              <a:ext uri="{FF2B5EF4-FFF2-40B4-BE49-F238E27FC236}">
+                <a16:creationId xmlns:a16="http://schemas.microsoft.com/office/drawing/2014/main" id="{305D4FF7-92FC-F5E3-F970-229BA80AB32D}"/>
+              </a:ext>
+            </a:extLst>
+          </p:cNvPr>
+          <p:cNvSpPr>
+            <a:spLocks noGrp="1"/>
+          </p:cNvSpPr>
+          <p:nvPr>
+            <p:ph type="title"/>
+          </p:nvPr>
+        </p:nvSpPr>
+        <p:spPr>
+          <a:xfrm>
+            <a:off x="629920" y="365125"/>
+            <a:ext cx="10806430" cy="616187"/>
+          </a:xfrm>
+        </p:spPr>
+        <p:txBody>
+          <a:bodyPr>
+            <a:normAutofit/>
+          </a:bodyPr>
+          <a:lstStyle/>
+          <a:p>
+            <a:r>
+              <a:rPr lang="en-US" sz="3600" dirty="0">
+                <a:latin typeface="Times New Roman" panose="02020603050405020304" pitchFamily="18" charset="0"/>
+                <a:cs typeface="Times New Roman" panose="02020603050405020304" pitchFamily="18" charset="0"/>
+              </a:rPr>
+              <a:t>                             Our Path Forward</a:t>
+            </a:r>
+          </a:p>
+        </p:txBody>
+      </p:sp>
+      <p:sp>
+        <p:nvSpPr>
+          <p:cNvPr id="6" name="Text 2">
+            <a:extLst>
+              <a:ext uri="{FF2B5EF4-FFF2-40B4-BE49-F238E27FC236}">
+                <a16:creationId xmlns:a16="http://schemas.microsoft.com/office/drawing/2014/main" id="{9CA862C8-07DF-3E38-2780-038C8BDA3343}"/>
+              </a:ext>
+            </a:extLst>
+          </p:cNvPr>
+          <p:cNvSpPr/>
+          <p:nvPr/>
+        </p:nvSpPr>
+        <p:spPr>
+          <a:xfrm>
+            <a:off x="1936809" y="301586"/>
+            <a:ext cx="7461607" cy="820519"/>
+          </a:xfrm>
+          <a:prstGeom prst="rect">
+            <a:avLst/>
+          </a:prstGeom>
+          <a:noFill/>
+          <a:ln/>
+        </p:spPr>
+        <p:txBody>
+          <a:bodyPr wrap="none" rtlCol="0" anchor="t"/>
+          <a:lstStyle/>
+          <a:p>
+            <a:pPr marL="0" indent="0">
+              <a:lnSpc>
+                <a:spcPts val="5468"/>
+              </a:lnSpc>
+              <a:buNone/>
+            </a:pPr>
+            <a:endParaRPr lang="en-US" sz="4374" dirty="0"/>
+          </a:p>
+        </p:txBody>
+      </p:sp>
+      <p:sp>
+        <p:nvSpPr>
+          <p:cNvPr id="7" name="Shape 3">
+            <a:extLst>
+              <a:ext uri="{FF2B5EF4-FFF2-40B4-BE49-F238E27FC236}">
+                <a16:creationId xmlns:a16="http://schemas.microsoft.com/office/drawing/2014/main" id="{0C9A849C-4CCC-CBA3-2C33-44D60311150D}"/>
+              </a:ext>
+            </a:extLst>
+          </p:cNvPr>
+          <p:cNvSpPr/>
+          <p:nvPr/>
+        </p:nvSpPr>
+        <p:spPr>
+          <a:xfrm flipH="1">
+            <a:off x="1445359" y="1511023"/>
+            <a:ext cx="45719" cy="5283160"/>
+          </a:xfrm>
+          <a:prstGeom prst="rect">
+            <a:avLst/>
+          </a:prstGeom>
+          <a:solidFill>
+            <a:srgbClr val="B5B7E3"/>
+          </a:solidFill>
+          <a:ln/>
+        </p:spPr>
+      </p:sp>
+      <p:sp>
+        <p:nvSpPr>
+          <p:cNvPr id="8" name="Shape 4">
+            <a:extLst>
+              <a:ext uri="{FF2B5EF4-FFF2-40B4-BE49-F238E27FC236}">
+                <a16:creationId xmlns:a16="http://schemas.microsoft.com/office/drawing/2014/main" id="{A1F3A860-4613-44B7-7BD9-B6EDC0D30850}"/>
+              </a:ext>
+            </a:extLst>
+          </p:cNvPr>
+          <p:cNvSpPr/>
+          <p:nvPr/>
+        </p:nvSpPr>
+        <p:spPr>
+          <a:xfrm>
+            <a:off x="1732478" y="1760994"/>
+            <a:ext cx="777597" cy="44410"/>
+          </a:xfrm>
+          <a:prstGeom prst="rect">
+            <a:avLst/>
+          </a:prstGeom>
+          <a:solidFill>
+            <a:srgbClr val="B5B7E3"/>
+          </a:solidFill>
+          <a:ln/>
+        </p:spPr>
+      </p:sp>
+      <p:sp>
+        <p:nvSpPr>
+          <p:cNvPr id="9" name="Shape 5">
+            <a:extLst>
+              <a:ext uri="{FF2B5EF4-FFF2-40B4-BE49-F238E27FC236}">
+                <a16:creationId xmlns:a16="http://schemas.microsoft.com/office/drawing/2014/main" id="{938EA90D-03DC-8946-B44A-8F4836F45ED2}"/>
+              </a:ext>
+            </a:extLst>
+          </p:cNvPr>
+          <p:cNvSpPr/>
+          <p:nvPr/>
+        </p:nvSpPr>
+        <p:spPr>
+          <a:xfrm>
+            <a:off x="1241107" y="1511023"/>
+            <a:ext cx="499943" cy="499943"/>
+          </a:xfrm>
+          <a:prstGeom prst="roundRect">
+            <a:avLst>
+              <a:gd name="adj" fmla="val 20000"/>
+            </a:avLst>
+          </a:prstGeom>
+          <a:solidFill>
+            <a:srgbClr val="DADBF1"/>
+          </a:solidFill>
+          <a:ln w="13811">
+            <a:solidFill>
+              <a:srgbClr val="B5B7E3"/>
+            </a:solidFill>
+            <a:prstDash val="solid"/>
+          </a:ln>
+        </p:spPr>
+      </p:sp>
+      <p:sp>
+        <p:nvSpPr>
+          <p:cNvPr id="10" name="Text 6">
+            <a:extLst>
+              <a:ext uri="{FF2B5EF4-FFF2-40B4-BE49-F238E27FC236}">
+                <a16:creationId xmlns:a16="http://schemas.microsoft.com/office/drawing/2014/main" id="{DFD5969E-9C0B-71EC-0C57-DC7E68FF4E99}"/>
+              </a:ext>
+            </a:extLst>
+          </p:cNvPr>
+          <p:cNvSpPr/>
+          <p:nvPr/>
+        </p:nvSpPr>
+        <p:spPr>
+          <a:xfrm>
+            <a:off x="1386600" y="1511023"/>
+            <a:ext cx="163235" cy="416481"/>
+          </a:xfrm>
+          <a:prstGeom prst="rect">
+            <a:avLst/>
+          </a:prstGeom>
+          <a:noFill/>
+          <a:ln/>
+        </p:spPr>
+        <p:txBody>
+          <a:bodyPr wrap="none" rtlCol="0" anchor="t"/>
+          <a:lstStyle/>
+          <a:p>
+            <a:pPr marL="0" indent="0" algn="ctr">
+              <a:lnSpc>
+                <a:spcPts val="3281"/>
+              </a:lnSpc>
+              <a:buNone/>
+            </a:pPr>
+            <a:r>
+              <a:rPr lang="en-US" sz="2624" b="1" kern="0" spc="-35" dirty="0">
+                <a:solidFill>
+                  <a:srgbClr val="272525"/>
+                </a:solidFill>
+                <a:latin typeface="Inter" pitchFamily="34" charset="0"/>
+                <a:ea typeface="Inter" pitchFamily="34" charset="-122"/>
+                <a:cs typeface="Inter" pitchFamily="34" charset="-120"/>
+              </a:rPr>
+              <a:t>1</a:t>
+            </a:r>
+            <a:endParaRPr lang="en-US" sz="2624" dirty="0"/>
+          </a:p>
+        </p:txBody>
+      </p:sp>
+      <p:sp>
+        <p:nvSpPr>
+          <p:cNvPr id="11" name="Text 7">
+            <a:extLst>
+              <a:ext uri="{FF2B5EF4-FFF2-40B4-BE49-F238E27FC236}">
+                <a16:creationId xmlns:a16="http://schemas.microsoft.com/office/drawing/2014/main" id="{070737FF-4CDD-4CF4-71EA-0165DA991304}"/>
+              </a:ext>
+            </a:extLst>
+          </p:cNvPr>
+          <p:cNvSpPr/>
+          <p:nvPr/>
+        </p:nvSpPr>
+        <p:spPr>
+          <a:xfrm>
+            <a:off x="2510075" y="1561347"/>
+            <a:ext cx="4148614" cy="408385"/>
+          </a:xfrm>
+          <a:prstGeom prst="rect">
+            <a:avLst/>
+          </a:prstGeom>
+          <a:noFill/>
+          <a:ln/>
+        </p:spPr>
+        <p:txBody>
+          <a:bodyPr wrap="none" rtlCol="0" anchor="t"/>
+          <a:lstStyle/>
+          <a:p>
+            <a:pPr marL="0" indent="0" algn="l">
+              <a:lnSpc>
+                <a:spcPts val="2734"/>
+              </a:lnSpc>
+              <a:buNone/>
+            </a:pPr>
+            <a:r>
+              <a:rPr lang="en-US" sz="2187" b="1" kern="0" spc="-66" dirty="0">
+                <a:solidFill>
+                  <a:srgbClr val="272525"/>
+                </a:solidFill>
+                <a:latin typeface="Inter" pitchFamily="34" charset="0"/>
+                <a:ea typeface="Inter" pitchFamily="34" charset="-122"/>
+                <a:cs typeface="Inter" pitchFamily="34" charset="-120"/>
+              </a:rPr>
+              <a:t>Phase 1: Data collection and cleaning</a:t>
+            </a:r>
+            <a:endParaRPr lang="en-US" sz="2187" dirty="0"/>
+          </a:p>
+        </p:txBody>
+      </p:sp>
+      <p:sp>
+        <p:nvSpPr>
+          <p:cNvPr id="12" name="Text 8">
+            <a:extLst>
+              <a:ext uri="{FF2B5EF4-FFF2-40B4-BE49-F238E27FC236}">
+                <a16:creationId xmlns:a16="http://schemas.microsoft.com/office/drawing/2014/main" id="{16E18F96-AAAE-DD58-D00C-472EC805F781}"/>
+              </a:ext>
+            </a:extLst>
+          </p:cNvPr>
+          <p:cNvSpPr/>
+          <p:nvPr/>
+        </p:nvSpPr>
+        <p:spPr>
+          <a:xfrm>
+            <a:off x="2546567" y="1927504"/>
+            <a:ext cx="7349014" cy="710803"/>
+          </a:xfrm>
+          <a:prstGeom prst="rect">
+            <a:avLst/>
+          </a:prstGeom>
+          <a:noFill/>
+          <a:ln/>
+        </p:spPr>
+        <p:txBody>
+          <a:bodyPr wrap="none" rtlCol="0" anchor="t"/>
+          <a:lstStyle/>
+          <a:p>
+            <a:pPr marL="0" indent="0" algn="l">
+              <a:lnSpc>
+                <a:spcPts val="2799"/>
+              </a:lnSpc>
+              <a:buNone/>
+            </a:pPr>
+            <a:r>
+              <a:rPr lang="en-US" sz="1750" dirty="0"/>
+              <a:t>Understand the data collected and clean the data line removing the null values,</a:t>
+            </a:r>
+          </a:p>
+          <a:p>
+            <a:pPr marL="0" indent="0" algn="l">
+              <a:lnSpc>
+                <a:spcPts val="2799"/>
+              </a:lnSpc>
+              <a:buNone/>
+            </a:pPr>
+            <a:r>
+              <a:rPr lang="en-US" sz="1750" dirty="0"/>
+              <a:t> filling the missing values etc. </a:t>
+            </a:r>
+          </a:p>
+        </p:txBody>
+      </p:sp>
+      <p:sp>
+        <p:nvSpPr>
+          <p:cNvPr id="13" name="Shape 9">
+            <a:extLst>
+              <a:ext uri="{FF2B5EF4-FFF2-40B4-BE49-F238E27FC236}">
+                <a16:creationId xmlns:a16="http://schemas.microsoft.com/office/drawing/2014/main" id="{4DCA4D9D-0E7A-CAA4-B492-C13A533FF67C}"/>
+              </a:ext>
+            </a:extLst>
+          </p:cNvPr>
+          <p:cNvSpPr/>
+          <p:nvPr/>
+        </p:nvSpPr>
+        <p:spPr>
+          <a:xfrm>
+            <a:off x="1739780" y="3121028"/>
+            <a:ext cx="777597" cy="44410"/>
+          </a:xfrm>
+          <a:prstGeom prst="rect">
+            <a:avLst/>
+          </a:prstGeom>
+          <a:solidFill>
+            <a:srgbClr val="B5B7E3"/>
+          </a:solidFill>
+          <a:ln/>
+        </p:spPr>
+      </p:sp>
+      <p:sp>
+        <p:nvSpPr>
+          <p:cNvPr id="14" name="Shape 10">
+            <a:extLst>
+              <a:ext uri="{FF2B5EF4-FFF2-40B4-BE49-F238E27FC236}">
+                <a16:creationId xmlns:a16="http://schemas.microsoft.com/office/drawing/2014/main" id="{55C18761-5A08-03D7-BA51-613999801193}"/>
+              </a:ext>
+            </a:extLst>
+          </p:cNvPr>
+          <p:cNvSpPr/>
+          <p:nvPr/>
+        </p:nvSpPr>
+        <p:spPr>
+          <a:xfrm>
+            <a:off x="1241106" y="2836360"/>
+            <a:ext cx="499943" cy="499943"/>
+          </a:xfrm>
+          <a:prstGeom prst="roundRect">
+            <a:avLst>
+              <a:gd name="adj" fmla="val 20000"/>
+            </a:avLst>
+          </a:prstGeom>
+          <a:solidFill>
+            <a:srgbClr val="DADBF1"/>
+          </a:solidFill>
+          <a:ln w="13811">
+            <a:solidFill>
+              <a:srgbClr val="B5B7E3"/>
+            </a:solidFill>
+            <a:prstDash val="solid"/>
+          </a:ln>
+        </p:spPr>
+      </p:sp>
+      <p:sp>
+        <p:nvSpPr>
+          <p:cNvPr id="15" name="Text 11">
+            <a:extLst>
+              <a:ext uri="{FF2B5EF4-FFF2-40B4-BE49-F238E27FC236}">
+                <a16:creationId xmlns:a16="http://schemas.microsoft.com/office/drawing/2014/main" id="{C079D2C7-431D-6AC5-9B24-057BB4EF610F}"/>
+              </a:ext>
+            </a:extLst>
+          </p:cNvPr>
+          <p:cNvSpPr/>
+          <p:nvPr/>
+        </p:nvSpPr>
+        <p:spPr>
+          <a:xfrm>
+            <a:off x="1292893" y="2842733"/>
+            <a:ext cx="350639" cy="372071"/>
+          </a:xfrm>
+          <a:prstGeom prst="rect">
+            <a:avLst/>
+          </a:prstGeom>
+          <a:noFill/>
+          <a:ln/>
+        </p:spPr>
+        <p:txBody>
+          <a:bodyPr wrap="none" rtlCol="0" anchor="t"/>
+          <a:lstStyle/>
+          <a:p>
+            <a:pPr marL="0" indent="0" algn="ctr">
+              <a:lnSpc>
+                <a:spcPts val="3281"/>
+              </a:lnSpc>
+              <a:buNone/>
+            </a:pPr>
+            <a:r>
+              <a:rPr lang="en-US" sz="2624" b="1" kern="0" spc="-35" dirty="0">
+                <a:solidFill>
+                  <a:srgbClr val="272525"/>
+                </a:solidFill>
+                <a:latin typeface="Inter" pitchFamily="34" charset="0"/>
+                <a:ea typeface="Inter" pitchFamily="34" charset="-122"/>
+                <a:cs typeface="Inter" pitchFamily="34" charset="-120"/>
+              </a:rPr>
+              <a:t>2</a:t>
+            </a:r>
+            <a:endParaRPr lang="en-US" sz="2624" dirty="0"/>
+          </a:p>
+        </p:txBody>
+      </p:sp>
+      <p:sp>
+        <p:nvSpPr>
+          <p:cNvPr id="16" name="Text 12">
+            <a:extLst>
+              <a:ext uri="{FF2B5EF4-FFF2-40B4-BE49-F238E27FC236}">
+                <a16:creationId xmlns:a16="http://schemas.microsoft.com/office/drawing/2014/main" id="{4C9CFD24-D1A3-D52D-BF5D-E1E9529BFBBE}"/>
+              </a:ext>
+            </a:extLst>
+          </p:cNvPr>
+          <p:cNvSpPr/>
+          <p:nvPr/>
+        </p:nvSpPr>
+        <p:spPr>
+          <a:xfrm>
+            <a:off x="2464355" y="2876600"/>
+            <a:ext cx="3004226" cy="363091"/>
+          </a:xfrm>
+          <a:prstGeom prst="rect">
+            <a:avLst/>
+          </a:prstGeom>
+          <a:noFill/>
+          <a:ln/>
+        </p:spPr>
+        <p:txBody>
+          <a:bodyPr wrap="none" rtlCol="0" anchor="t"/>
+          <a:lstStyle/>
+          <a:p>
+            <a:pPr marL="0" indent="0" algn="l">
+              <a:lnSpc>
+                <a:spcPts val="2734"/>
+              </a:lnSpc>
+              <a:buNone/>
+            </a:pPr>
+            <a:r>
+              <a:rPr lang="en-US" sz="2187" b="1" kern="0" spc="-66" dirty="0">
+                <a:solidFill>
+                  <a:srgbClr val="272525"/>
+                </a:solidFill>
+                <a:latin typeface="Inter" pitchFamily="34" charset="0"/>
+                <a:ea typeface="Inter" pitchFamily="34" charset="-122"/>
+                <a:cs typeface="Inter" pitchFamily="34" charset="-120"/>
+              </a:rPr>
+              <a:t>Phase 2: Front end Design</a:t>
+            </a:r>
+            <a:endParaRPr lang="en-US" sz="2187" dirty="0"/>
+          </a:p>
+        </p:txBody>
+      </p:sp>
+      <p:sp>
+        <p:nvSpPr>
+          <p:cNvPr id="17" name="Text 13">
+            <a:extLst>
+              <a:ext uri="{FF2B5EF4-FFF2-40B4-BE49-F238E27FC236}">
+                <a16:creationId xmlns:a16="http://schemas.microsoft.com/office/drawing/2014/main" id="{0FC6FF8E-F6E6-1494-3CA0-53E72468B942}"/>
+              </a:ext>
+            </a:extLst>
+          </p:cNvPr>
+          <p:cNvSpPr/>
+          <p:nvPr/>
+        </p:nvSpPr>
+        <p:spPr>
+          <a:xfrm>
+            <a:off x="2510075" y="3272972"/>
+            <a:ext cx="8991799" cy="499944"/>
+          </a:xfrm>
+          <a:prstGeom prst="rect">
+            <a:avLst/>
+          </a:prstGeom>
+          <a:noFill/>
+          <a:ln/>
+        </p:spPr>
+        <p:txBody>
+          <a:bodyPr wrap="square" rtlCol="0" anchor="t"/>
+          <a:lstStyle/>
+          <a:p>
+            <a:pPr marL="0" indent="0" algn="l">
+              <a:lnSpc>
+                <a:spcPts val="2799"/>
+              </a:lnSpc>
+              <a:buNone/>
+            </a:pPr>
+            <a:r>
+              <a:rPr lang="en-US" sz="1750" dirty="0"/>
+              <a:t>Develop the front-end design for the Agri advisor website for the all the pages defined.</a:t>
+            </a:r>
+          </a:p>
+        </p:txBody>
+      </p:sp>
+      <p:sp>
+        <p:nvSpPr>
+          <p:cNvPr id="18" name="Shape 14">
+            <a:extLst>
+              <a:ext uri="{FF2B5EF4-FFF2-40B4-BE49-F238E27FC236}">
+                <a16:creationId xmlns:a16="http://schemas.microsoft.com/office/drawing/2014/main" id="{5D8080D2-8D02-9DB5-3973-50399E09EDC2}"/>
+              </a:ext>
+            </a:extLst>
+          </p:cNvPr>
+          <p:cNvSpPr/>
+          <p:nvPr/>
+        </p:nvSpPr>
+        <p:spPr>
+          <a:xfrm>
+            <a:off x="1739780" y="4109079"/>
+            <a:ext cx="777597" cy="44410"/>
+          </a:xfrm>
+          <a:prstGeom prst="rect">
+            <a:avLst/>
+          </a:prstGeom>
+          <a:solidFill>
+            <a:srgbClr val="B5B7E3"/>
+          </a:solidFill>
+          <a:ln/>
+        </p:spPr>
+      </p:sp>
+      <p:sp>
+        <p:nvSpPr>
+          <p:cNvPr id="19" name="Shape 15">
+            <a:extLst>
+              <a:ext uri="{FF2B5EF4-FFF2-40B4-BE49-F238E27FC236}">
+                <a16:creationId xmlns:a16="http://schemas.microsoft.com/office/drawing/2014/main" id="{6AAD6A50-0724-6220-6DA4-63CE05EFF85C}"/>
+              </a:ext>
+            </a:extLst>
+          </p:cNvPr>
+          <p:cNvSpPr/>
+          <p:nvPr/>
+        </p:nvSpPr>
+        <p:spPr>
+          <a:xfrm>
+            <a:off x="1218240" y="3841491"/>
+            <a:ext cx="499943" cy="499943"/>
+          </a:xfrm>
+          <a:prstGeom prst="roundRect">
+            <a:avLst>
+              <a:gd name="adj" fmla="val 20000"/>
+            </a:avLst>
+          </a:prstGeom>
+          <a:solidFill>
+            <a:srgbClr val="DADBF1"/>
+          </a:solidFill>
+          <a:ln w="13811">
+            <a:solidFill>
+              <a:srgbClr val="B5B7E3"/>
+            </a:solidFill>
+            <a:prstDash val="solid"/>
+          </a:ln>
+        </p:spPr>
+      </p:sp>
+      <p:sp>
+        <p:nvSpPr>
+          <p:cNvPr id="20" name="Text 16">
+            <a:extLst>
+              <a:ext uri="{FF2B5EF4-FFF2-40B4-BE49-F238E27FC236}">
+                <a16:creationId xmlns:a16="http://schemas.microsoft.com/office/drawing/2014/main" id="{9683703A-F84B-BAF6-44F0-CAE9140547FE}"/>
+              </a:ext>
+            </a:extLst>
+          </p:cNvPr>
+          <p:cNvSpPr/>
+          <p:nvPr/>
+        </p:nvSpPr>
+        <p:spPr>
+          <a:xfrm>
+            <a:off x="1363733" y="3866766"/>
+            <a:ext cx="208955" cy="416481"/>
+          </a:xfrm>
+          <a:prstGeom prst="rect">
+            <a:avLst/>
+          </a:prstGeom>
+          <a:noFill/>
+          <a:ln/>
+        </p:spPr>
+        <p:txBody>
+          <a:bodyPr wrap="none" rtlCol="0" anchor="t"/>
+          <a:lstStyle/>
+          <a:p>
+            <a:pPr marL="0" indent="0" algn="ctr">
+              <a:lnSpc>
+                <a:spcPts val="3281"/>
+              </a:lnSpc>
+              <a:buNone/>
+            </a:pPr>
+            <a:r>
+              <a:rPr lang="en-US" sz="2624" b="1" kern="0" spc="-35" dirty="0">
+                <a:solidFill>
+                  <a:srgbClr val="272525"/>
+                </a:solidFill>
+                <a:latin typeface="Inter" pitchFamily="34" charset="0"/>
+                <a:ea typeface="Inter" pitchFamily="34" charset="-122"/>
+                <a:cs typeface="Inter" pitchFamily="34" charset="-120"/>
+              </a:rPr>
+              <a:t>3</a:t>
+            </a:r>
+            <a:endParaRPr lang="en-US" sz="2624" dirty="0"/>
+          </a:p>
+        </p:txBody>
+      </p:sp>
+      <p:sp>
+        <p:nvSpPr>
+          <p:cNvPr id="21" name="Text 17">
+            <a:extLst>
+              <a:ext uri="{FF2B5EF4-FFF2-40B4-BE49-F238E27FC236}">
+                <a16:creationId xmlns:a16="http://schemas.microsoft.com/office/drawing/2014/main" id="{6F6C0E31-4AF9-C48D-755F-E5FEBF2DF8B1}"/>
+              </a:ext>
+            </a:extLst>
+          </p:cNvPr>
+          <p:cNvSpPr/>
+          <p:nvPr/>
+        </p:nvSpPr>
+        <p:spPr>
+          <a:xfrm>
+            <a:off x="2464355" y="3896785"/>
+            <a:ext cx="4367093" cy="347186"/>
+          </a:xfrm>
+          <a:prstGeom prst="rect">
+            <a:avLst/>
+          </a:prstGeom>
+          <a:noFill/>
+          <a:ln/>
+        </p:spPr>
+        <p:txBody>
+          <a:bodyPr wrap="none" rtlCol="0" anchor="t"/>
+          <a:lstStyle/>
+          <a:p>
+            <a:pPr marL="0" indent="0" algn="l">
+              <a:lnSpc>
+                <a:spcPts val="2734"/>
+              </a:lnSpc>
+              <a:buNone/>
+            </a:pPr>
+            <a:r>
+              <a:rPr lang="en-US" sz="2187" b="1" kern="0" spc="-66" dirty="0">
+                <a:solidFill>
+                  <a:srgbClr val="272525"/>
+                </a:solidFill>
+                <a:latin typeface="Inter" pitchFamily="34" charset="0"/>
+                <a:ea typeface="Inter" pitchFamily="34" charset="-122"/>
+                <a:cs typeface="Inter" pitchFamily="34" charset="-120"/>
+              </a:rPr>
+              <a:t>Phase 3: Model Training</a:t>
+            </a:r>
+            <a:endParaRPr lang="en-US" sz="2187" dirty="0"/>
+          </a:p>
+        </p:txBody>
+      </p:sp>
+      <p:sp>
+        <p:nvSpPr>
+          <p:cNvPr id="22" name="Text 18">
+            <a:extLst>
+              <a:ext uri="{FF2B5EF4-FFF2-40B4-BE49-F238E27FC236}">
+                <a16:creationId xmlns:a16="http://schemas.microsoft.com/office/drawing/2014/main" id="{E84225C7-B28F-CF8E-A619-DBA577CE77EC}"/>
+              </a:ext>
+            </a:extLst>
+          </p:cNvPr>
+          <p:cNvSpPr/>
+          <p:nvPr/>
+        </p:nvSpPr>
+        <p:spPr>
+          <a:xfrm>
+            <a:off x="2463627" y="4254769"/>
+            <a:ext cx="8984809" cy="499944"/>
+          </a:xfrm>
+          <a:prstGeom prst="rect">
+            <a:avLst/>
+          </a:prstGeom>
+          <a:noFill/>
+          <a:ln/>
+        </p:spPr>
+        <p:txBody>
+          <a:bodyPr wrap="square" rtlCol="0" anchor="t"/>
+          <a:lstStyle/>
+          <a:p>
+            <a:pPr marL="0" indent="0" algn="l">
+              <a:lnSpc>
+                <a:spcPts val="2799"/>
+              </a:lnSpc>
+              <a:buNone/>
+            </a:pPr>
+            <a:r>
+              <a:rPr lang="en-US" sz="1750" kern="0" spc="-35" dirty="0">
+                <a:solidFill>
+                  <a:srgbClr val="272525"/>
+                </a:solidFill>
+                <a:latin typeface="Inter" pitchFamily="34" charset="0"/>
+                <a:ea typeface="Inter" pitchFamily="34" charset="-122"/>
+                <a:cs typeface="Inter" pitchFamily="34" charset="-120"/>
+              </a:rPr>
+              <a:t>Develop and train our machine learning models using diverse datasets to ensure accuracy.</a:t>
+            </a:r>
+            <a:endParaRPr lang="en-US" sz="1750" dirty="0"/>
+          </a:p>
+        </p:txBody>
+      </p:sp>
+      <p:pic>
+        <p:nvPicPr>
+          <p:cNvPr id="23" name="Image 0" descr="preencoded.png">
+            <a:hlinkClick r:id="rId2"/>
+            <a:extLst>
+              <a:ext uri="{FF2B5EF4-FFF2-40B4-BE49-F238E27FC236}">
+                <a16:creationId xmlns:a16="http://schemas.microsoft.com/office/drawing/2014/main" id="{1102E24C-D32D-4EE4-ABE1-D75539622842}"/>
+              </a:ext>
+            </a:extLst>
+          </p:cNvPr>
+          <p:cNvPicPr>
+            <a:picLocks noChangeAspect="1"/>
+          </p:cNvPicPr>
+          <p:nvPr/>
+        </p:nvPicPr>
+        <p:blipFill>
+          <a:blip r:embed="rId3"/>
+          <a:stretch>
+            <a:fillRect/>
+          </a:stretch>
+        </p:blipFill>
+        <p:spPr>
+          <a:xfrm>
+            <a:off x="12242153" y="7589520"/>
+            <a:ext cx="2296807" cy="548640"/>
+          </a:xfrm>
+          <a:prstGeom prst="rect">
+            <a:avLst/>
+          </a:prstGeom>
+        </p:spPr>
+      </p:pic>
+      <p:sp>
+        <p:nvSpPr>
+          <p:cNvPr id="24" name="Shape 15">
+            <a:extLst>
+              <a:ext uri="{FF2B5EF4-FFF2-40B4-BE49-F238E27FC236}">
+                <a16:creationId xmlns:a16="http://schemas.microsoft.com/office/drawing/2014/main" id="{D2A59614-D9BB-F456-241B-2F3275D9C059}"/>
+              </a:ext>
+            </a:extLst>
+          </p:cNvPr>
+          <p:cNvSpPr/>
+          <p:nvPr/>
+        </p:nvSpPr>
+        <p:spPr>
+          <a:xfrm>
+            <a:off x="1236116" y="4847158"/>
+            <a:ext cx="499943" cy="499943"/>
+          </a:xfrm>
+          <a:prstGeom prst="roundRect">
+            <a:avLst>
+              <a:gd name="adj" fmla="val 20000"/>
+            </a:avLst>
+          </a:prstGeom>
+          <a:solidFill>
+            <a:srgbClr val="DADBF1"/>
+          </a:solidFill>
+          <a:ln w="13811">
+            <a:solidFill>
+              <a:srgbClr val="B5B7E3"/>
+            </a:solidFill>
+            <a:prstDash val="solid"/>
+          </a:ln>
+        </p:spPr>
+      </p:sp>
+      <p:sp>
+        <p:nvSpPr>
+          <p:cNvPr id="25" name="Text 16">
+            <a:extLst>
+              <a:ext uri="{FF2B5EF4-FFF2-40B4-BE49-F238E27FC236}">
+                <a16:creationId xmlns:a16="http://schemas.microsoft.com/office/drawing/2014/main" id="{96C5A49C-CEA8-D0E5-8588-4ED2BF2320A7}"/>
+              </a:ext>
+            </a:extLst>
+          </p:cNvPr>
+          <p:cNvSpPr/>
+          <p:nvPr/>
+        </p:nvSpPr>
+        <p:spPr>
+          <a:xfrm>
+            <a:off x="1363732" y="4871145"/>
+            <a:ext cx="208955" cy="416481"/>
+          </a:xfrm>
+          <a:prstGeom prst="rect">
+            <a:avLst/>
+          </a:prstGeom>
+          <a:noFill/>
+          <a:ln/>
+        </p:spPr>
+        <p:txBody>
+          <a:bodyPr wrap="none" rtlCol="0" anchor="t"/>
+          <a:lstStyle/>
+          <a:p>
+            <a:pPr marL="0" indent="0" algn="ctr">
+              <a:lnSpc>
+                <a:spcPts val="3281"/>
+              </a:lnSpc>
+              <a:buNone/>
+            </a:pPr>
+            <a:r>
+              <a:rPr lang="en-US" sz="2624" b="1" kern="0" spc="-35" dirty="0">
+                <a:solidFill>
+                  <a:srgbClr val="272525"/>
+                </a:solidFill>
+                <a:latin typeface="Inter" pitchFamily="34" charset="0"/>
+                <a:ea typeface="Inter" pitchFamily="34" charset="-122"/>
+              </a:rPr>
+              <a:t>4</a:t>
+            </a:r>
+            <a:endParaRPr lang="en-US" sz="2624" dirty="0"/>
+          </a:p>
+        </p:txBody>
+      </p:sp>
+      <p:sp>
+        <p:nvSpPr>
+          <p:cNvPr id="26" name="Shape 14">
+            <a:extLst>
+              <a:ext uri="{FF2B5EF4-FFF2-40B4-BE49-F238E27FC236}">
+                <a16:creationId xmlns:a16="http://schemas.microsoft.com/office/drawing/2014/main" id="{5B8BC77A-F080-0694-96A0-8AD59338E997}"/>
+              </a:ext>
+            </a:extLst>
+          </p:cNvPr>
+          <p:cNvSpPr/>
+          <p:nvPr/>
+        </p:nvSpPr>
+        <p:spPr>
+          <a:xfrm>
+            <a:off x="1732477" y="5097130"/>
+            <a:ext cx="777597" cy="44410"/>
+          </a:xfrm>
+          <a:prstGeom prst="rect">
+            <a:avLst/>
+          </a:prstGeom>
+          <a:solidFill>
+            <a:srgbClr val="B5B7E3"/>
+          </a:solidFill>
+          <a:ln/>
+        </p:spPr>
+      </p:sp>
+      <p:sp>
+        <p:nvSpPr>
+          <p:cNvPr id="27" name="Text 12">
+            <a:extLst>
+              <a:ext uri="{FF2B5EF4-FFF2-40B4-BE49-F238E27FC236}">
+                <a16:creationId xmlns:a16="http://schemas.microsoft.com/office/drawing/2014/main" id="{6D9CEF83-583B-971C-AE50-F60AC4B1FB45}"/>
+              </a:ext>
+            </a:extLst>
+          </p:cNvPr>
+          <p:cNvSpPr/>
+          <p:nvPr/>
+        </p:nvSpPr>
+        <p:spPr>
+          <a:xfrm>
+            <a:off x="2463627" y="4871145"/>
+            <a:ext cx="2606767" cy="437201"/>
+          </a:xfrm>
+          <a:prstGeom prst="rect">
+            <a:avLst/>
+          </a:prstGeom>
+          <a:noFill/>
+          <a:ln/>
+        </p:spPr>
+        <p:txBody>
+          <a:bodyPr wrap="none" rtlCol="0" anchor="t"/>
+          <a:lstStyle/>
+          <a:p>
+            <a:pPr marL="0" indent="0" algn="l">
+              <a:lnSpc>
+                <a:spcPts val="2734"/>
+              </a:lnSpc>
+              <a:buNone/>
+            </a:pPr>
+            <a:r>
+              <a:rPr lang="en-US" sz="2187" b="1" kern="0" spc="-66" dirty="0">
+                <a:solidFill>
+                  <a:srgbClr val="272525"/>
+                </a:solidFill>
+                <a:latin typeface="Inter" pitchFamily="34" charset="0"/>
+                <a:ea typeface="Inter" pitchFamily="34" charset="-122"/>
+                <a:cs typeface="Inter" pitchFamily="34" charset="-120"/>
+              </a:rPr>
+              <a:t>Phase 4: Integration</a:t>
+            </a:r>
+            <a:endParaRPr lang="en-US" sz="2187" dirty="0"/>
+          </a:p>
+        </p:txBody>
+      </p:sp>
+      <p:sp>
+        <p:nvSpPr>
+          <p:cNvPr id="29" name="TextBox 28">
+            <a:extLst>
+              <a:ext uri="{FF2B5EF4-FFF2-40B4-BE49-F238E27FC236}">
+                <a16:creationId xmlns:a16="http://schemas.microsoft.com/office/drawing/2014/main" id="{8D1CFC37-FCF0-E552-E623-FC4E161427B1}"/>
+              </a:ext>
+            </a:extLst>
+          </p:cNvPr>
+          <p:cNvSpPr txBox="1"/>
+          <p:nvPr/>
+        </p:nvSpPr>
+        <p:spPr>
+          <a:xfrm>
+            <a:off x="2486161" y="5213075"/>
+            <a:ext cx="7269480" cy="781624"/>
+          </a:xfrm>
+          <a:prstGeom prst="rect">
+            <a:avLst/>
+          </a:prstGeom>
+          <a:noFill/>
+        </p:spPr>
+        <p:txBody>
+          <a:bodyPr wrap="square">
+            <a:spAutoFit/>
+          </a:bodyPr>
+          <a:lstStyle/>
+          <a:p>
+            <a:pPr marL="0" indent="0" algn="l">
+              <a:lnSpc>
+                <a:spcPts val="2799"/>
+              </a:lnSpc>
+              <a:buNone/>
+            </a:pPr>
+            <a:r>
+              <a:rPr lang="en-US" sz="1800" kern="0" spc="-35" dirty="0">
+                <a:solidFill>
+                  <a:srgbClr val="272525"/>
+                </a:solidFill>
+                <a:latin typeface="Inter" pitchFamily="34" charset="0"/>
+                <a:ea typeface="Inter" pitchFamily="34" charset="-122"/>
+                <a:cs typeface="Inter" pitchFamily="34" charset="-120"/>
+              </a:rPr>
+              <a:t>Integrate our AI-powered system into existing farming practices to provide real-time recommendations and insights.</a:t>
+            </a:r>
+            <a:endParaRPr lang="en-US" sz="1800" dirty="0"/>
+          </a:p>
+        </p:txBody>
+      </p:sp>
+      <p:sp>
+        <p:nvSpPr>
+          <p:cNvPr id="32" name="Text 17">
+            <a:extLst>
+              <a:ext uri="{FF2B5EF4-FFF2-40B4-BE49-F238E27FC236}">
+                <a16:creationId xmlns:a16="http://schemas.microsoft.com/office/drawing/2014/main" id="{53AE9E8A-7CC7-269F-5734-DABB69F41FC2}"/>
+              </a:ext>
+            </a:extLst>
+          </p:cNvPr>
+          <p:cNvSpPr/>
+          <p:nvPr/>
+        </p:nvSpPr>
+        <p:spPr>
+          <a:xfrm>
+            <a:off x="2463627" y="6064576"/>
+            <a:ext cx="4389627" cy="347186"/>
+          </a:xfrm>
+          <a:prstGeom prst="rect">
+            <a:avLst/>
+          </a:prstGeom>
+          <a:noFill/>
+          <a:ln/>
+        </p:spPr>
+        <p:txBody>
+          <a:bodyPr wrap="none" rtlCol="0" anchor="t"/>
+          <a:lstStyle/>
+          <a:p>
+            <a:pPr marL="0" indent="0" algn="l">
+              <a:lnSpc>
+                <a:spcPts val="2734"/>
+              </a:lnSpc>
+              <a:buNone/>
+            </a:pPr>
+            <a:r>
+              <a:rPr lang="en-US" sz="2187" b="1" kern="0" spc="-66" dirty="0">
+                <a:solidFill>
+                  <a:srgbClr val="272525"/>
+                </a:solidFill>
+                <a:latin typeface="Inter" pitchFamily="34" charset="0"/>
+                <a:ea typeface="Inter" pitchFamily="34" charset="-122"/>
+                <a:cs typeface="Inter" pitchFamily="34" charset="-120"/>
+              </a:rPr>
+              <a:t>Phase 5: Continuous Improvement</a:t>
+            </a:r>
+            <a:endParaRPr lang="en-US" sz="2187" dirty="0"/>
+          </a:p>
+        </p:txBody>
+      </p:sp>
+      <p:sp>
+        <p:nvSpPr>
+          <p:cNvPr id="33" name="Shape 15">
+            <a:extLst>
+              <a:ext uri="{FF2B5EF4-FFF2-40B4-BE49-F238E27FC236}">
+                <a16:creationId xmlns:a16="http://schemas.microsoft.com/office/drawing/2014/main" id="{52FB5CC8-E124-7D19-4E55-D0FA5096D97C}"/>
+              </a:ext>
+            </a:extLst>
+          </p:cNvPr>
+          <p:cNvSpPr/>
+          <p:nvPr/>
+        </p:nvSpPr>
+        <p:spPr>
+          <a:xfrm>
+            <a:off x="1236116" y="5911819"/>
+            <a:ext cx="499943" cy="499943"/>
+          </a:xfrm>
+          <a:prstGeom prst="roundRect">
+            <a:avLst>
+              <a:gd name="adj" fmla="val 20000"/>
+            </a:avLst>
+          </a:prstGeom>
+          <a:solidFill>
+            <a:srgbClr val="DADBF1"/>
+          </a:solidFill>
+          <a:ln w="13811">
+            <a:solidFill>
+              <a:srgbClr val="B5B7E3"/>
+            </a:solidFill>
+            <a:prstDash val="solid"/>
+          </a:ln>
+        </p:spPr>
+      </p:sp>
+      <p:sp>
+        <p:nvSpPr>
+          <p:cNvPr id="34" name="Shape 14">
+            <a:extLst>
+              <a:ext uri="{FF2B5EF4-FFF2-40B4-BE49-F238E27FC236}">
+                <a16:creationId xmlns:a16="http://schemas.microsoft.com/office/drawing/2014/main" id="{BD8EEF69-3A33-7334-DF05-FB569458CA88}"/>
+              </a:ext>
+            </a:extLst>
+          </p:cNvPr>
+          <p:cNvSpPr/>
+          <p:nvPr/>
+        </p:nvSpPr>
+        <p:spPr>
+          <a:xfrm>
+            <a:off x="1732477" y="6204563"/>
+            <a:ext cx="777597" cy="44410"/>
+          </a:xfrm>
+          <a:prstGeom prst="rect">
+            <a:avLst/>
+          </a:prstGeom>
+          <a:solidFill>
+            <a:srgbClr val="B5B7E3"/>
+          </a:solidFill>
+          <a:ln/>
+        </p:spPr>
+      </p:sp>
+      <p:sp>
+        <p:nvSpPr>
+          <p:cNvPr id="38" name="Text 16">
+            <a:extLst>
+              <a:ext uri="{FF2B5EF4-FFF2-40B4-BE49-F238E27FC236}">
+                <a16:creationId xmlns:a16="http://schemas.microsoft.com/office/drawing/2014/main" id="{5C68CF79-B467-3A1F-C13F-E53685240B6A}"/>
+              </a:ext>
+            </a:extLst>
+          </p:cNvPr>
+          <p:cNvSpPr/>
+          <p:nvPr/>
+        </p:nvSpPr>
+        <p:spPr>
+          <a:xfrm>
+            <a:off x="1386599" y="5901962"/>
+            <a:ext cx="186087" cy="416481"/>
+          </a:xfrm>
+          <a:prstGeom prst="rect">
+            <a:avLst/>
+          </a:prstGeom>
+          <a:noFill/>
+          <a:ln/>
+        </p:spPr>
+        <p:txBody>
+          <a:bodyPr wrap="none" rtlCol="0" anchor="t"/>
+          <a:lstStyle/>
+          <a:p>
+            <a:pPr marL="0" indent="0" algn="ctr">
+              <a:lnSpc>
+                <a:spcPts val="3281"/>
+              </a:lnSpc>
+              <a:buNone/>
+            </a:pPr>
+            <a:r>
+              <a:rPr lang="en-US" sz="2624" b="1" kern="0" spc="-35" dirty="0">
+                <a:solidFill>
+                  <a:srgbClr val="272525"/>
+                </a:solidFill>
+                <a:latin typeface="Inter" pitchFamily="34" charset="0"/>
+                <a:ea typeface="Inter" pitchFamily="34" charset="-122"/>
+              </a:rPr>
+              <a:t>5</a:t>
+            </a:r>
+            <a:endParaRPr lang="en-US" sz="2624" dirty="0"/>
+          </a:p>
+        </p:txBody>
+      </p:sp>
+      <p:sp>
+        <p:nvSpPr>
+          <p:cNvPr id="39" name="Text 18">
+            <a:extLst>
+              <a:ext uri="{FF2B5EF4-FFF2-40B4-BE49-F238E27FC236}">
+                <a16:creationId xmlns:a16="http://schemas.microsoft.com/office/drawing/2014/main" id="{308198FC-303F-D7C5-50FD-C2623D4C5793}"/>
+              </a:ext>
+            </a:extLst>
+          </p:cNvPr>
+          <p:cNvSpPr/>
+          <p:nvPr/>
+        </p:nvSpPr>
+        <p:spPr>
+          <a:xfrm>
+            <a:off x="2463627" y="6399443"/>
+            <a:ext cx="10000121" cy="164391"/>
+          </a:xfrm>
+          <a:prstGeom prst="rect">
+            <a:avLst/>
+          </a:prstGeom>
+          <a:noFill/>
+          <a:ln/>
+        </p:spPr>
+        <p:txBody>
+          <a:bodyPr wrap="square" rtlCol="0" anchor="t"/>
+          <a:lstStyle/>
+          <a:p>
+            <a:pPr marL="0" indent="0" algn="l">
+              <a:lnSpc>
+                <a:spcPts val="2799"/>
+              </a:lnSpc>
+              <a:buNone/>
+            </a:pPr>
+            <a:r>
+              <a:rPr lang="en-US" sz="1750" kern="0" spc="-35" dirty="0">
+                <a:solidFill>
+                  <a:srgbClr val="272525"/>
+                </a:solidFill>
+                <a:latin typeface="Inter" pitchFamily="34" charset="0"/>
+                <a:ea typeface="Inter" pitchFamily="34" charset="-122"/>
+                <a:cs typeface="Inter" pitchFamily="34" charset="-120"/>
+              </a:rPr>
+              <a:t>Continuously refine and enhance our algorithms based on user feedback and new data sources.</a:t>
+            </a:r>
+            <a:endParaRPr lang="en-US" sz="1750" dirty="0"/>
+          </a:p>
+        </p:txBody>
+      </p:sp>
+    </p:spTree>
+    <p:extLst>
+      <p:ext uri="{BB962C8B-B14F-4D97-AF65-F5344CB8AC3E}">
+        <p14:creationId xmlns:p14="http://schemas.microsoft.com/office/powerpoint/2010/main" val="1134834708"/>
+      </p:ext>
+    </p:extLst>
+  </p:cSld>
+  <p:clrMapOvr>
+    <a:masterClrMapping/>
+  </p:clrMapOvr>
+</p:sld>
+</file>
+
+<file path=ppt/slides/slide7.xml><?xml version="1.0" encoding="utf-8"?>
+<p:sld xmlns:a="http://schemas.openxmlformats.org/drawingml/2006/main" xmlns:r="http://schemas.openxmlformats.org/officeDocument/2006/relationships" xmlns:p="http://schemas.openxmlformats.org/presentationml/2006/main">
+  <p:cSld>
+    <p:spTree>
+      <p:nvGrpSpPr>
+        <p:cNvPr id="1" name=""/>
+        <p:cNvGrpSpPr/>
+        <p:nvPr/>
+      </p:nvGrpSpPr>
+      <p:grpSpPr>
+        <a:xfrm>
+          <a:off x="0" y="0"/>
+          <a:ext cx="0" cy="0"/>
+          <a:chOff x="0" y="0"/>
+          <a:chExt cx="0" cy="0"/>
+        </a:xfrm>
+      </p:grpSpPr>
+      <p:sp>
+        <p:nvSpPr>
+          <p:cNvPr id="2" name="Title 1">
+            <a:extLst>
+              <a:ext uri="{FF2B5EF4-FFF2-40B4-BE49-F238E27FC236}">
+                <a16:creationId xmlns:a16="http://schemas.microsoft.com/office/drawing/2014/main" id="{4B2A4BE8-1D93-5BFA-73B0-6F111EECF706}"/>
+              </a:ext>
+            </a:extLst>
+          </p:cNvPr>
+          <p:cNvSpPr>
+            <a:spLocks noGrp="1"/>
+          </p:cNvSpPr>
+          <p:nvPr>
+            <p:ph type="title"/>
+          </p:nvPr>
+        </p:nvSpPr>
+        <p:spPr>
+          <a:xfrm>
             <a:off x="1891553" y="365125"/>
             <a:ext cx="8130988" cy="1203699"/>
           </a:xfrm>
@@ -6186,7 +7523,7 @@
           <a:p>
             <a:pPr algn="ctr"/>
             <a:r>
-              <a:rPr kumimoji="0" lang="en-US" altLang="en-US" sz="3600" b="1" i="0" u="none" strike="noStrike" cap="none" normalizeH="0" baseline="0" dirty="0">
+              <a:rPr kumimoji="0" lang="en-US" altLang="en-US" sz="3600" i="0" u="none" strike="noStrike" cap="none" normalizeH="0" baseline="0" dirty="0">
                 <a:ln>
                   <a:noFill/>
                 </a:ln>
@@ -6522,6 +7859,348 @@
     <p:extLst>
       <p:ext uri="{BB962C8B-B14F-4D97-AF65-F5344CB8AC3E}">
         <p14:creationId xmlns:p14="http://schemas.microsoft.com/office/powerpoint/2010/main" val="3624612325"/>
+      </p:ext>
+    </p:extLst>
+  </p:cSld>
+  <p:clrMapOvr>
+    <a:masterClrMapping/>
+  </p:clrMapOvr>
+</p:sld>
+</file>
+
+<file path=ppt/slides/slide8.xml><?xml version="1.0" encoding="utf-8"?>
+<p:sld xmlns:a="http://schemas.openxmlformats.org/drawingml/2006/main" xmlns:r="http://schemas.openxmlformats.org/officeDocument/2006/relationships" xmlns:p="http://schemas.openxmlformats.org/presentationml/2006/main">
+  <p:cSld>
+    <p:spTree>
+      <p:nvGrpSpPr>
+        <p:cNvPr id="1" name=""/>
+        <p:cNvGrpSpPr/>
+        <p:nvPr/>
+      </p:nvGrpSpPr>
+      <p:grpSpPr>
+        <a:xfrm>
+          <a:off x="0" y="0"/>
+          <a:ext cx="0" cy="0"/>
+          <a:chOff x="0" y="0"/>
+          <a:chExt cx="0" cy="0"/>
+        </a:xfrm>
+      </p:grpSpPr>
+      <p:sp>
+        <p:nvSpPr>
+          <p:cNvPr id="2" name="Title 1">
+            <a:extLst>
+              <a:ext uri="{FF2B5EF4-FFF2-40B4-BE49-F238E27FC236}">
+                <a16:creationId xmlns:a16="http://schemas.microsoft.com/office/drawing/2014/main" id="{DB213110-3739-2495-E852-B55DB93A8BF0}"/>
+              </a:ext>
+            </a:extLst>
+          </p:cNvPr>
+          <p:cNvSpPr>
+            <a:spLocks noGrp="1"/>
+          </p:cNvSpPr>
+          <p:nvPr>
+            <p:ph type="title"/>
+          </p:nvPr>
+        </p:nvSpPr>
+        <p:spPr>
+          <a:xfrm>
+            <a:off x="777240" y="365125"/>
+            <a:ext cx="10659110" cy="904875"/>
+          </a:xfrm>
+        </p:spPr>
+        <p:txBody>
+          <a:bodyPr/>
+          <a:lstStyle/>
+          <a:p>
+            <a:r>
+              <a:rPr lang="en-US" dirty="0"/>
+              <a:t>                     </a:t>
+            </a:r>
+            <a:r>
+              <a:rPr lang="en-US" sz="3600" dirty="0">
+                <a:latin typeface="Times New Roman" panose="02020603050405020304" pitchFamily="18" charset="0"/>
+                <a:cs typeface="Times New Roman" panose="02020603050405020304" pitchFamily="18" charset="0"/>
+              </a:rPr>
+              <a:t>Future Works</a:t>
+            </a:r>
+          </a:p>
+        </p:txBody>
+      </p:sp>
+      <p:sp>
+        <p:nvSpPr>
+          <p:cNvPr id="3" name="Content Placeholder 2">
+            <a:extLst>
+              <a:ext uri="{FF2B5EF4-FFF2-40B4-BE49-F238E27FC236}">
+                <a16:creationId xmlns:a16="http://schemas.microsoft.com/office/drawing/2014/main" id="{F54FF343-68DE-AA14-BA5B-CC0C2795E194}"/>
+              </a:ext>
+            </a:extLst>
+          </p:cNvPr>
+          <p:cNvSpPr>
+            <a:spLocks noGrp="1"/>
+          </p:cNvSpPr>
+          <p:nvPr>
+            <p:ph idx="1"/>
+          </p:nvPr>
+        </p:nvSpPr>
+        <p:spPr/>
+        <p:txBody>
+          <a:bodyPr/>
+          <a:lstStyle/>
+          <a:p>
+            <a:r>
+              <a:rPr lang="en-US" b="0" i="0" dirty="0">
+                <a:solidFill>
+                  <a:srgbClr val="374151"/>
+                </a:solidFill>
+                <a:effectLst/>
+                <a:latin typeface="Times New Roman" panose="02020603050405020304" pitchFamily="18" charset="0"/>
+                <a:cs typeface="Times New Roman" panose="02020603050405020304" pitchFamily="18" charset="0"/>
+              </a:rPr>
+              <a:t>Currently, we focus on plant disease prediction and remedies. Our future vision includes proactive disease prediction from plant leaf images.</a:t>
+            </a:r>
+          </a:p>
+          <a:p>
+            <a:r>
+              <a:rPr lang="en-US" b="0" i="0" dirty="0">
+                <a:solidFill>
+                  <a:srgbClr val="374151"/>
+                </a:solidFill>
+                <a:effectLst/>
+                <a:latin typeface="Times New Roman" panose="02020603050405020304" pitchFamily="18" charset="0"/>
+                <a:cs typeface="Times New Roman" panose="02020603050405020304" pitchFamily="18" charset="0"/>
+              </a:rPr>
+              <a:t>We plan to expand services to include yield prediction, aiding farmers in making informed decisions about planting and harvesting.</a:t>
+            </a:r>
+          </a:p>
+          <a:p>
+            <a:r>
+              <a:rPr lang="en-US" b="0" i="0" dirty="0">
+                <a:solidFill>
+                  <a:srgbClr val="374151"/>
+                </a:solidFill>
+                <a:effectLst/>
+                <a:latin typeface="Times New Roman" panose="02020603050405020304" pitchFamily="18" charset="0"/>
+                <a:cs typeface="Times New Roman" panose="02020603050405020304" pitchFamily="18" charset="0"/>
+              </a:rPr>
+              <a:t>We aim to address waste management, predicting waste quantities and providing sustainable disposal guidance for farming.</a:t>
+            </a:r>
+          </a:p>
+        </p:txBody>
+      </p:sp>
+    </p:spTree>
+    <p:extLst>
+      <p:ext uri="{BB962C8B-B14F-4D97-AF65-F5344CB8AC3E}">
+        <p14:creationId xmlns:p14="http://schemas.microsoft.com/office/powerpoint/2010/main" val="1467538038"/>
+      </p:ext>
+    </p:extLst>
+  </p:cSld>
+  <p:clrMapOvr>
+    <a:masterClrMapping/>
+  </p:clrMapOvr>
+</p:sld>
+</file>
+
+<file path=ppt/slides/slide9.xml><?xml version="1.0" encoding="utf-8"?>
+<p:sld xmlns:a="http://schemas.openxmlformats.org/drawingml/2006/main" xmlns:r="http://schemas.openxmlformats.org/officeDocument/2006/relationships" xmlns:p="http://schemas.openxmlformats.org/presentationml/2006/main">
+  <p:cSld>
+    <p:spTree>
+      <p:nvGrpSpPr>
+        <p:cNvPr id="1" name=""/>
+        <p:cNvGrpSpPr/>
+        <p:nvPr/>
+      </p:nvGrpSpPr>
+      <p:grpSpPr>
+        <a:xfrm>
+          <a:off x="0" y="0"/>
+          <a:ext cx="0" cy="0"/>
+          <a:chOff x="0" y="0"/>
+          <a:chExt cx="0" cy="0"/>
+        </a:xfrm>
+      </p:grpSpPr>
+      <p:sp>
+        <p:nvSpPr>
+          <p:cNvPr id="2" name="Title 1">
+            <a:extLst>
+              <a:ext uri="{FF2B5EF4-FFF2-40B4-BE49-F238E27FC236}">
+                <a16:creationId xmlns:a16="http://schemas.microsoft.com/office/drawing/2014/main" id="{CB7A4834-785E-723A-960C-FFC2F83CE306}"/>
+              </a:ext>
+            </a:extLst>
+          </p:cNvPr>
+          <p:cNvSpPr>
+            <a:spLocks noGrp="1"/>
+          </p:cNvSpPr>
+          <p:nvPr>
+            <p:ph type="title"/>
+          </p:nvPr>
+        </p:nvSpPr>
+        <p:spPr/>
+        <p:txBody>
+          <a:bodyPr>
+            <a:normAutofit/>
+          </a:bodyPr>
+          <a:lstStyle/>
+          <a:p>
+            <a:r>
+              <a:rPr lang="en-US" sz="3600" dirty="0">
+                <a:latin typeface="Times New Roman" panose="02020603050405020304" pitchFamily="18" charset="0"/>
+                <a:cs typeface="Times New Roman" panose="02020603050405020304" pitchFamily="18" charset="0"/>
+              </a:rPr>
+              <a:t>                                    References</a:t>
+            </a:r>
+          </a:p>
+        </p:txBody>
+      </p:sp>
+      <p:sp>
+        <p:nvSpPr>
+          <p:cNvPr id="3" name="Content Placeholder 2">
+            <a:extLst>
+              <a:ext uri="{FF2B5EF4-FFF2-40B4-BE49-F238E27FC236}">
+                <a16:creationId xmlns:a16="http://schemas.microsoft.com/office/drawing/2014/main" id="{5187B272-924B-7520-128C-015A2876CF2E}"/>
+              </a:ext>
+            </a:extLst>
+          </p:cNvPr>
+          <p:cNvSpPr>
+            <a:spLocks noGrp="1"/>
+          </p:cNvSpPr>
+          <p:nvPr>
+            <p:ph idx="1"/>
+          </p:nvPr>
+        </p:nvSpPr>
+        <p:spPr/>
+        <p:txBody>
+          <a:bodyPr/>
+          <a:lstStyle/>
+          <a:p>
+            <a:pPr marL="0" marR="0">
+              <a:lnSpc>
+                <a:spcPct val="107000"/>
+              </a:lnSpc>
+              <a:spcBef>
+                <a:spcPts val="0"/>
+              </a:spcBef>
+              <a:spcAft>
+                <a:spcPts val="800"/>
+              </a:spcAft>
+            </a:pPr>
+            <a:r>
+              <a:rPr lang="en-US" sz="1800" kern="100" dirty="0">
+                <a:effectLst/>
+                <a:latin typeface="Calibri" panose="020F0502020204030204" pitchFamily="34" charset="0"/>
+                <a:ea typeface="Calibri" panose="020F0502020204030204" pitchFamily="34" charset="0"/>
+                <a:cs typeface="Times New Roman" panose="02020603050405020304" pitchFamily="18" charset="0"/>
+              </a:rPr>
+              <a:t>1.United States Department of Agriculture</a:t>
+            </a:r>
+          </a:p>
+          <a:p>
+            <a:pPr marL="0" marR="0">
+              <a:lnSpc>
+                <a:spcPct val="107000"/>
+              </a:lnSpc>
+              <a:spcBef>
+                <a:spcPts val="0"/>
+              </a:spcBef>
+              <a:spcAft>
+                <a:spcPts val="800"/>
+              </a:spcAft>
+            </a:pPr>
+            <a:r>
+              <a:rPr lang="en-US" sz="1800" u="sng" kern="100" dirty="0">
+                <a:solidFill>
+                  <a:srgbClr val="0563C1"/>
+                </a:solidFill>
+                <a:effectLst/>
+                <a:latin typeface="Calibri" panose="020F0502020204030204" pitchFamily="34" charset="0"/>
+                <a:ea typeface="Calibri" panose="020F0502020204030204" pitchFamily="34" charset="0"/>
+                <a:cs typeface="Times New Roman" panose="02020603050405020304" pitchFamily="18" charset="0"/>
+                <a:hlinkClick r:id="rId2"/>
+              </a:rPr>
+              <a:t>https://www.nass.usda.gov/Statistics_by_Subject/index.php?sector=CROPS</a:t>
+            </a:r>
+            <a:endParaRPr lang="en-US" sz="1800" kern="100" dirty="0">
+              <a:effectLst/>
+              <a:latin typeface="Calibri" panose="020F0502020204030204" pitchFamily="34" charset="0"/>
+              <a:ea typeface="Calibri" panose="020F0502020204030204" pitchFamily="34" charset="0"/>
+              <a:cs typeface="Times New Roman" panose="02020603050405020304" pitchFamily="18" charset="0"/>
+            </a:endParaRPr>
+          </a:p>
+          <a:p>
+            <a:pPr marL="0" marR="0">
+              <a:lnSpc>
+                <a:spcPct val="107000"/>
+              </a:lnSpc>
+              <a:spcBef>
+                <a:spcPts val="0"/>
+              </a:spcBef>
+              <a:spcAft>
+                <a:spcPts val="800"/>
+              </a:spcAft>
+            </a:pPr>
+            <a:r>
+              <a:rPr lang="en-US" sz="1800" kern="100" dirty="0">
+                <a:effectLst/>
+                <a:latin typeface="Calibri" panose="020F0502020204030204" pitchFamily="34" charset="0"/>
+                <a:ea typeface="Calibri" panose="020F0502020204030204" pitchFamily="34" charset="0"/>
+                <a:cs typeface="Times New Roman" panose="02020603050405020304" pitchFamily="18" charset="0"/>
+              </a:rPr>
+              <a:t>2.Food and Agriculture Organization of United Nations.</a:t>
+            </a:r>
+          </a:p>
+          <a:p>
+            <a:pPr marL="0" marR="0">
+              <a:lnSpc>
+                <a:spcPct val="107000"/>
+              </a:lnSpc>
+              <a:spcBef>
+                <a:spcPts val="0"/>
+              </a:spcBef>
+              <a:spcAft>
+                <a:spcPts val="800"/>
+              </a:spcAft>
+            </a:pPr>
+            <a:r>
+              <a:rPr lang="en-US" sz="1800" u="sng" kern="100" dirty="0">
+                <a:solidFill>
+                  <a:srgbClr val="0563C1"/>
+                </a:solidFill>
+                <a:effectLst/>
+                <a:latin typeface="Calibri" panose="020F0502020204030204" pitchFamily="34" charset="0"/>
+                <a:ea typeface="Calibri" panose="020F0502020204030204" pitchFamily="34" charset="0"/>
+                <a:cs typeface="Times New Roman" panose="02020603050405020304" pitchFamily="18" charset="0"/>
+                <a:hlinkClick r:id="rId3"/>
+              </a:rPr>
+              <a:t>https://www.fao.org/faostat/en/#data/domains_table</a:t>
+            </a:r>
+            <a:endParaRPr lang="en-US" sz="1800" kern="100" dirty="0">
+              <a:effectLst/>
+              <a:latin typeface="Calibri" panose="020F0502020204030204" pitchFamily="34" charset="0"/>
+              <a:ea typeface="Calibri" panose="020F0502020204030204" pitchFamily="34" charset="0"/>
+              <a:cs typeface="Times New Roman" panose="02020603050405020304" pitchFamily="18" charset="0"/>
+            </a:endParaRPr>
+          </a:p>
+          <a:p>
+            <a:r>
+              <a:rPr lang="en-US" dirty="0">
+                <a:hlinkClick r:id="rId4"/>
+              </a:rPr>
+              <a:t>https://github.com/anshukrsingh/crop-recommendation-system-based-on-machine-learning-using-python</a:t>
+            </a:r>
+            <a:endParaRPr lang="en-US" dirty="0"/>
+          </a:p>
+          <a:p>
+            <a:r>
+              <a:rPr lang="en-US" dirty="0">
+                <a:hlinkClick r:id="rId5"/>
+              </a:rPr>
+              <a:t>https://github.com/simranvolunesia/Irrigreat</a:t>
+            </a:r>
+            <a:endParaRPr lang="en-US" dirty="0"/>
+          </a:p>
+        </p:txBody>
+      </p:sp>
+    </p:spTree>
+    <p:extLst>
+      <p:ext uri="{BB962C8B-B14F-4D97-AF65-F5344CB8AC3E}">
+        <p14:creationId xmlns:p14="http://schemas.microsoft.com/office/powerpoint/2010/main" val="701085063"/>
       </p:ext>
     </p:extLst>
   </p:cSld>

--- a/AgriAdvisor.pptx
+++ b/AgriAdvisor.pptx
@@ -9,8 +9,8 @@
     <p:sldId id="260" r:id="rId3"/>
     <p:sldId id="257" r:id="rId4"/>
     <p:sldId id="263" r:id="rId5"/>
-    <p:sldId id="265" r:id="rId6"/>
-    <p:sldId id="266" r:id="rId7"/>
+    <p:sldId id="266" r:id="rId6"/>
+    <p:sldId id="265" r:id="rId7"/>
     <p:sldId id="258" r:id="rId8"/>
     <p:sldId id="264" r:id="rId9"/>
     <p:sldId id="259" r:id="rId10"/>
@@ -6413,7 +6413,7 @@
         </p:nvSpPr>
         <p:spPr>
           <a:xfrm>
-            <a:off x="777240" y="365125"/>
+            <a:off x="777240" y="338231"/>
             <a:ext cx="10659110" cy="845983"/>
           </a:xfrm>
         </p:spPr>
@@ -6459,11 +6459,49 @@
         </p:blipFill>
         <p:spPr>
           <a:xfrm>
-            <a:off x="1293593" y="1207500"/>
-            <a:ext cx="9722321" cy="5283854"/>
+            <a:off x="1900517" y="1875727"/>
+            <a:ext cx="8102385" cy="4403457"/>
           </a:xfrm>
         </p:spPr>
       </p:pic>
+      <p:sp>
+        <p:nvSpPr>
+          <p:cNvPr id="3" name="TextBox 2">
+            <a:extLst>
+              <a:ext uri="{FF2B5EF4-FFF2-40B4-BE49-F238E27FC236}">
+                <a16:creationId xmlns:a16="http://schemas.microsoft.com/office/drawing/2014/main" id="{ED16424F-2B3C-6104-D0D1-574EE4104E49}"/>
+              </a:ext>
+            </a:extLst>
+          </p:cNvPr>
+          <p:cNvSpPr txBox="1"/>
+          <p:nvPr/>
+        </p:nvSpPr>
+        <p:spPr>
+          <a:xfrm>
+            <a:off x="3594847" y="1389529"/>
+            <a:ext cx="6293224" cy="400110"/>
+          </a:xfrm>
+          <a:prstGeom prst="rect">
+            <a:avLst/>
+          </a:prstGeom>
+          <a:noFill/>
+        </p:spPr>
+        <p:txBody>
+          <a:bodyPr wrap="square" rtlCol="0">
+            <a:spAutoFit/>
+          </a:bodyPr>
+          <a:lstStyle/>
+          <a:p>
+            <a:r>
+              <a:rPr lang="en-US" sz="2000" dirty="0">
+                <a:latin typeface="Times New Roman" panose="02020603050405020304" pitchFamily="18" charset="0"/>
+                <a:cs typeface="Times New Roman" panose="02020603050405020304" pitchFamily="18" charset="0"/>
+              </a:rPr>
+              <a:t>Home page of the website we have created </a:t>
+            </a:r>
+          </a:p>
+        </p:txBody>
+      </p:sp>
     </p:spTree>
     <p:extLst>
       <p:ext uri="{BB962C8B-B14F-4D97-AF65-F5344CB8AC3E}">
@@ -6536,10 +6574,10 @@
       </p:sp>
       <p:pic>
         <p:nvPicPr>
-          <p:cNvPr id="6" name="Content Placeholder 5" descr="A screenshot of a survey&#10;&#10;Description automatically generated">
-            <a:extLst>
-              <a:ext uri="{FF2B5EF4-FFF2-40B4-BE49-F238E27FC236}">
-                <a16:creationId xmlns:a16="http://schemas.microsoft.com/office/drawing/2014/main" id="{3E66CD3C-D726-93B0-5A6C-3135FE36C1CD}"/>
+          <p:cNvPr id="9" name="Content Placeholder 8" descr="A close-up of a website&#10;&#10;Description automatically generated">
+            <a:extLst>
+              <a:ext uri="{FF2B5EF4-FFF2-40B4-BE49-F238E27FC236}">
+                <a16:creationId xmlns:a16="http://schemas.microsoft.com/office/drawing/2014/main" id="{36C04823-F260-771D-A55F-AF238121FA9A}"/>
               </a:ext>
             </a:extLst>
           </p:cNvPr>
@@ -6558,75 +6596,53 @@
         </p:blipFill>
         <p:spPr>
           <a:xfrm>
-            <a:off x="1121204" y="1580506"/>
-            <a:ext cx="3987087" cy="2869968"/>
+            <a:off x="1154488" y="1825625"/>
+            <a:ext cx="9883024" cy="4351338"/>
           </a:xfrm>
         </p:spPr>
       </p:pic>
-      <p:pic>
-        <p:nvPicPr>
-          <p:cNvPr id="7" name="Picture 6" descr="A screenshot of a survey&#10;&#10;Description automatically generated">
-            <a:extLst>
-              <a:ext uri="{FF2B5EF4-FFF2-40B4-BE49-F238E27FC236}">
-                <a16:creationId xmlns:a16="http://schemas.microsoft.com/office/drawing/2014/main" id="{FA723FA5-158F-9891-DD90-C13C718EEFA9}"/>
-              </a:ext>
-            </a:extLst>
-          </p:cNvPr>
-          <p:cNvPicPr>
-            <a:picLocks noChangeAspect="1"/>
-          </p:cNvPicPr>
+      <p:sp>
+        <p:nvSpPr>
+          <p:cNvPr id="3" name="TextBox 2">
+            <a:extLst>
+              <a:ext uri="{FF2B5EF4-FFF2-40B4-BE49-F238E27FC236}">
+                <a16:creationId xmlns:a16="http://schemas.microsoft.com/office/drawing/2014/main" id="{FC473BEF-2F4F-3F86-D7B3-365C9DA2D15D}"/>
+              </a:ext>
+            </a:extLst>
+          </p:cNvPr>
+          <p:cNvSpPr txBox="1"/>
           <p:nvPr/>
-        </p:nvPicPr>
-        <p:blipFill>
-          <a:blip r:embed="rId3"/>
-          <a:stretch>
-            <a:fillRect/>
-          </a:stretch>
-        </p:blipFill>
+        </p:nvSpPr>
         <p:spPr>
           <a:xfrm>
-            <a:off x="5651589" y="1581223"/>
-            <a:ext cx="3878207" cy="2864281"/>
+            <a:off x="3657600" y="1211108"/>
+            <a:ext cx="6042212" cy="400110"/>
           </a:xfrm>
           <a:prstGeom prst="rect">
             <a:avLst/>
           </a:prstGeom>
+          <a:noFill/>
         </p:spPr>
-      </p:pic>
-      <p:pic>
-        <p:nvPicPr>
-          <p:cNvPr id="8" name="Picture 7" descr="A screenshot of a computer screen&#10;&#10;Description automatically generated">
-            <a:extLst>
-              <a:ext uri="{FF2B5EF4-FFF2-40B4-BE49-F238E27FC236}">
-                <a16:creationId xmlns:a16="http://schemas.microsoft.com/office/drawing/2014/main" id="{F854EF99-9C41-60BF-8F0E-61D6BE98FFE0}"/>
-              </a:ext>
-            </a:extLst>
-          </p:cNvPr>
-          <p:cNvPicPr>
-            <a:picLocks noChangeAspect="1"/>
-          </p:cNvPicPr>
-          <p:nvPr/>
-        </p:nvPicPr>
-        <p:blipFill>
-          <a:blip r:embed="rId4"/>
-          <a:stretch>
-            <a:fillRect/>
-          </a:stretch>
-        </p:blipFill>
-        <p:spPr>
-          <a:xfrm>
-            <a:off x="3674652" y="4574657"/>
-            <a:ext cx="3958136" cy="2142138"/>
-          </a:xfrm>
-          <a:prstGeom prst="rect">
-            <a:avLst/>
-          </a:prstGeom>
-        </p:spPr>
-      </p:pic>
+        <p:txBody>
+          <a:bodyPr wrap="square" rtlCol="0">
+            <a:spAutoFit/>
+          </a:bodyPr>
+          <a:lstStyle/>
+          <a:p>
+            <a:r>
+              <a:rPr lang="en-US" sz="2000" dirty="0">
+                <a:latin typeface="Times New Roman" panose="02020603050405020304" pitchFamily="18" charset="0"/>
+                <a:cs typeface="Times New Roman" panose="02020603050405020304" pitchFamily="18" charset="0"/>
+              </a:rPr>
+              <a:t>The services we provide in the AgriAdvisor</a:t>
+            </a:r>
+          </a:p>
+        </p:txBody>
+      </p:sp>
     </p:spTree>
     <p:extLst>
       <p:ext uri="{BB962C8B-B14F-4D97-AF65-F5344CB8AC3E}">
-        <p14:creationId xmlns:p14="http://schemas.microsoft.com/office/powerpoint/2010/main" val="3014458210"/>
+        <p14:creationId xmlns:p14="http://schemas.microsoft.com/office/powerpoint/2010/main" val="1950213012"/>
       </p:ext>
     </p:extLst>
   </p:cSld>
@@ -6671,12 +6687,14 @@
         </p:nvSpPr>
         <p:spPr>
           <a:xfrm>
-            <a:off x="777240" y="365125"/>
-            <a:ext cx="10659110" cy="845983"/>
+            <a:off x="645459" y="365125"/>
+            <a:ext cx="10790891" cy="646331"/>
           </a:xfrm>
         </p:spPr>
         <p:txBody>
-          <a:bodyPr/>
+          <a:bodyPr>
+            <a:normAutofit fontScale="90000"/>
+          </a:bodyPr>
           <a:lstStyle/>
           <a:p>
             <a:r>
@@ -6695,10 +6713,10 @@
       </p:sp>
       <p:pic>
         <p:nvPicPr>
-          <p:cNvPr id="9" name="Content Placeholder 8" descr="A close-up of a website&#10;&#10;Description automatically generated">
-            <a:extLst>
-              <a:ext uri="{FF2B5EF4-FFF2-40B4-BE49-F238E27FC236}">
-                <a16:creationId xmlns:a16="http://schemas.microsoft.com/office/drawing/2014/main" id="{36C04823-F260-771D-A55F-AF238121FA9A}"/>
+          <p:cNvPr id="6" name="Content Placeholder 5" descr="A screenshot of a survey&#10;&#10;Description automatically generated">
+            <a:extLst>
+              <a:ext uri="{FF2B5EF4-FFF2-40B4-BE49-F238E27FC236}">
+                <a16:creationId xmlns:a16="http://schemas.microsoft.com/office/drawing/2014/main" id="{3E66CD3C-D726-93B0-5A6C-3135FE36C1CD}"/>
               </a:ext>
             </a:extLst>
           </p:cNvPr>
@@ -6717,15 +6735,113 @@
         </p:blipFill>
         <p:spPr>
           <a:xfrm>
-            <a:off x="1165283" y="1825625"/>
-            <a:ext cx="9883024" cy="4351338"/>
+            <a:off x="1196992" y="1680193"/>
+            <a:ext cx="3987087" cy="2869968"/>
           </a:xfrm>
         </p:spPr>
       </p:pic>
+      <p:pic>
+        <p:nvPicPr>
+          <p:cNvPr id="7" name="Picture 6" descr="A screenshot of a survey&#10;&#10;Description automatically generated">
+            <a:extLst>
+              <a:ext uri="{FF2B5EF4-FFF2-40B4-BE49-F238E27FC236}">
+                <a16:creationId xmlns:a16="http://schemas.microsoft.com/office/drawing/2014/main" id="{FA723FA5-158F-9891-DD90-C13C718EEFA9}"/>
+              </a:ext>
+            </a:extLst>
+          </p:cNvPr>
+          <p:cNvPicPr>
+            <a:picLocks noChangeAspect="1"/>
+          </p:cNvPicPr>
+          <p:nvPr/>
+        </p:nvPicPr>
+        <p:blipFill>
+          <a:blip r:embed="rId3"/>
+          <a:stretch>
+            <a:fillRect/>
+          </a:stretch>
+        </p:blipFill>
+        <p:spPr>
+          <a:xfrm>
+            <a:off x="5699346" y="1680193"/>
+            <a:ext cx="3878207" cy="2864281"/>
+          </a:xfrm>
+          <a:prstGeom prst="rect">
+            <a:avLst/>
+          </a:prstGeom>
+        </p:spPr>
+      </p:pic>
+      <p:pic>
+        <p:nvPicPr>
+          <p:cNvPr id="8" name="Picture 7" descr="A screenshot of a computer screen&#10;&#10;Description automatically generated">
+            <a:extLst>
+              <a:ext uri="{FF2B5EF4-FFF2-40B4-BE49-F238E27FC236}">
+                <a16:creationId xmlns:a16="http://schemas.microsoft.com/office/drawing/2014/main" id="{F854EF99-9C41-60BF-8F0E-61D6BE98FFE0}"/>
+              </a:ext>
+            </a:extLst>
+          </p:cNvPr>
+          <p:cNvPicPr>
+            <a:picLocks noChangeAspect="1"/>
+          </p:cNvPicPr>
+          <p:nvPr/>
+        </p:nvPicPr>
+        <p:blipFill>
+          <a:blip r:embed="rId4"/>
+          <a:stretch>
+            <a:fillRect/>
+          </a:stretch>
+        </p:blipFill>
+        <p:spPr>
+          <a:xfrm>
+            <a:off x="3674652" y="4574657"/>
+            <a:ext cx="3958136" cy="2142138"/>
+          </a:xfrm>
+          <a:prstGeom prst="rect">
+            <a:avLst/>
+          </a:prstGeom>
+        </p:spPr>
+      </p:pic>
+      <p:sp>
+        <p:nvSpPr>
+          <p:cNvPr id="3" name="TextBox 2">
+            <a:extLst>
+              <a:ext uri="{FF2B5EF4-FFF2-40B4-BE49-F238E27FC236}">
+                <a16:creationId xmlns:a16="http://schemas.microsoft.com/office/drawing/2014/main" id="{FB601714-59AE-0535-A2C2-3DF7EB11BBAC}"/>
+              </a:ext>
+            </a:extLst>
+          </p:cNvPr>
+          <p:cNvSpPr txBox="1"/>
+          <p:nvPr/>
+        </p:nvSpPr>
+        <p:spPr>
+          <a:xfrm>
+            <a:off x="1929891" y="1012645"/>
+            <a:ext cx="6508376" cy="707886"/>
+          </a:xfrm>
+          <a:prstGeom prst="rect">
+            <a:avLst/>
+          </a:prstGeom>
+          <a:noFill/>
+        </p:spPr>
+        <p:txBody>
+          <a:bodyPr wrap="square" rtlCol="0">
+            <a:spAutoFit/>
+          </a:bodyPr>
+          <a:lstStyle/>
+          <a:p>
+            <a:r>
+              <a:rPr lang="en-US" sz="2000" dirty="0">
+                <a:latin typeface="Times New Roman" panose="02020603050405020304" pitchFamily="18" charset="0"/>
+                <a:cs typeface="Times New Roman" panose="02020603050405020304" pitchFamily="18" charset="0"/>
+              </a:rPr>
+              <a:t>Other web pages in AgriAdvisor for crop recommendation, fertilizer recommendation and disease prediction</a:t>
+            </a:r>
+          </a:p>
+        </p:txBody>
+      </p:sp>
     </p:spTree>
     <p:extLst>
       <p:ext uri="{BB962C8B-B14F-4D97-AF65-F5344CB8AC3E}">
-        <p14:creationId xmlns:p14="http://schemas.microsoft.com/office/powerpoint/2010/main" val="1950213012"/>
+        <p14:creationId xmlns:p14="http://schemas.microsoft.com/office/powerpoint/2010/main" val="3014458210"/>
       </p:ext>
     </p:extLst>
   </p:cSld>
@@ -7040,6 +7156,13 @@
           </a:solidFill>
           <a:ln/>
         </p:spPr>
+        <p:txBody>
+          <a:bodyPr/>
+          <a:lstStyle/>
+          <a:p>
+            <a:endParaRPr lang="en-US"/>
+          </a:p>
+        </p:txBody>
       </p:sp>
       <p:sp>
         <p:nvSpPr>
@@ -7066,6 +7189,13 @@
           </a:solidFill>
           <a:ln/>
         </p:spPr>
+        <p:txBody>
+          <a:bodyPr/>
+          <a:lstStyle/>
+          <a:p>
+            <a:endParaRPr lang="en-US"/>
+          </a:p>
+        </p:txBody>
       </p:sp>
       <p:sp>
         <p:nvSpPr>
@@ -7099,6 +7229,13 @@
             <a:prstDash val="solid"/>
           </a:ln>
         </p:spPr>
+        <p:txBody>
+          <a:bodyPr/>
+          <a:lstStyle/>
+          <a:p>
+            <a:endParaRPr lang="en-US"/>
+          </a:p>
+        </p:txBody>
       </p:sp>
       <p:sp>
         <p:nvSpPr>
@@ -7273,6 +7410,13 @@
           </a:solidFill>
           <a:ln/>
         </p:spPr>
+        <p:txBody>
+          <a:bodyPr/>
+          <a:lstStyle/>
+          <a:p>
+            <a:endParaRPr lang="en-US"/>
+          </a:p>
+        </p:txBody>
       </p:sp>
       <p:sp>
         <p:nvSpPr>
@@ -7306,6 +7450,13 @@
             <a:prstDash val="solid"/>
           </a:ln>
         </p:spPr>
+        <p:txBody>
+          <a:bodyPr/>
+          <a:lstStyle/>
+          <a:p>
+            <a:endParaRPr lang="en-US"/>
+          </a:p>
+        </p:txBody>
       </p:sp>
       <p:sp>
         <p:nvSpPr>
@@ -7468,6 +7619,13 @@
           </a:solidFill>
           <a:ln/>
         </p:spPr>
+        <p:txBody>
+          <a:bodyPr/>
+          <a:lstStyle/>
+          <a:p>
+            <a:endParaRPr lang="en-US"/>
+          </a:p>
+        </p:txBody>
       </p:sp>
       <p:sp>
         <p:nvSpPr>
@@ -7501,6 +7659,13 @@
             <a:prstDash val="solid"/>
           </a:ln>
         </p:spPr>
+        <p:txBody>
+          <a:bodyPr/>
+          <a:lstStyle/>
+          <a:p>
+            <a:endParaRPr lang="en-US"/>
+          </a:p>
+        </p:txBody>
       </p:sp>
       <p:sp>
         <p:nvSpPr>
@@ -7709,6 +7874,13 @@
             <a:prstDash val="solid"/>
           </a:ln>
         </p:spPr>
+        <p:txBody>
+          <a:bodyPr/>
+          <a:lstStyle/>
+          <a:p>
+            <a:endParaRPr lang="en-US"/>
+          </a:p>
+        </p:txBody>
       </p:sp>
       <p:sp>
         <p:nvSpPr>
@@ -7782,6 +7954,13 @@
           </a:solidFill>
           <a:ln/>
         </p:spPr>
+        <p:txBody>
+          <a:bodyPr/>
+          <a:lstStyle/>
+          <a:p>
+            <a:endParaRPr lang="en-US"/>
+          </a:p>
+        </p:txBody>
       </p:sp>
       <p:sp>
         <p:nvSpPr>
@@ -7960,6 +8139,13 @@
             <a:prstDash val="solid"/>
           </a:ln>
         </p:spPr>
+        <p:txBody>
+          <a:bodyPr/>
+          <a:lstStyle/>
+          <a:p>
+            <a:endParaRPr lang="en-US"/>
+          </a:p>
+        </p:txBody>
       </p:sp>
       <p:sp>
         <p:nvSpPr>
@@ -7986,6 +8172,13 @@
           </a:solidFill>
           <a:ln/>
         </p:spPr>
+        <p:txBody>
+          <a:bodyPr/>
+          <a:lstStyle/>
+          <a:p>
+            <a:endParaRPr lang="en-US"/>
+          </a:p>
+        </p:txBody>
       </p:sp>
       <p:sp>
         <p:nvSpPr>
